--- a/docs/CaNS_Theory.pptx
+++ b/docs/CaNS_Theory.pptx
@@ -5,11 +5,12 @@
     <p:sldMasterId id="2147483648" r:id="rId1"/>
   </p:sldMasterIdLst>
   <p:notesMasterIdLst>
-    <p:notesMasterId r:id="rId4"/>
+    <p:notesMasterId r:id="rId5"/>
   </p:notesMasterIdLst>
   <p:sldIdLst>
     <p:sldId id="260" r:id="rId2"/>
     <p:sldId id="257" r:id="rId3"/>
+    <p:sldId id="261" r:id="rId4"/>
   </p:sldIdLst>
   <p:sldSz cx="12192000" cy="6858000"/>
   <p:notesSz cx="6858000" cy="9144000"/>
@@ -219,7 +220,7 @@
           <a:p>
             <a:fld id="{E75B8690-9AE5-4594-AD02-E664C0110DBD}" type="datetimeFigureOut">
               <a:rPr lang="en-US" smtClean="0"/>
-              <a:t>6/25/2024</a:t>
+              <a:t>9/30/2024</a:t>
             </a:fld>
             <a:endParaRPr lang="en-US"/>
           </a:p>
@@ -657,6 +658,90 @@
 </p:notes>
 </file>
 
+<file path=ppt/notesSlides/notesSlide3.xml><?xml version="1.0" encoding="utf-8"?>
+<p:notes xmlns:a="http://schemas.openxmlformats.org/drawingml/2006/main" xmlns:r="http://schemas.openxmlformats.org/officeDocument/2006/relationships" xmlns:p="http://schemas.openxmlformats.org/presentationml/2006/main">
+  <p:cSld>
+    <p:spTree>
+      <p:nvGrpSpPr>
+        <p:cNvPr id="1" name=""/>
+        <p:cNvGrpSpPr/>
+        <p:nvPr/>
+      </p:nvGrpSpPr>
+      <p:grpSpPr>
+        <a:xfrm>
+          <a:off x="0" y="0"/>
+          <a:ext cx="0" cy="0"/>
+          <a:chOff x="0" y="0"/>
+          <a:chExt cx="0" cy="0"/>
+        </a:xfrm>
+      </p:grpSpPr>
+      <p:sp>
+        <p:nvSpPr>
+          <p:cNvPr id="2" name="Slide Image Placeholder 1"/>
+          <p:cNvSpPr>
+            <a:spLocks noGrp="1" noRot="1" noChangeAspect="1"/>
+          </p:cNvSpPr>
+          <p:nvPr>
+            <p:ph type="sldImg"/>
+          </p:nvPr>
+        </p:nvSpPr>
+        <p:spPr/>
+      </p:sp>
+      <p:sp>
+        <p:nvSpPr>
+          <p:cNvPr id="3" name="Notes Placeholder 2"/>
+          <p:cNvSpPr>
+            <a:spLocks noGrp="1"/>
+          </p:cNvSpPr>
+          <p:nvPr>
+            <p:ph type="body" idx="1"/>
+          </p:nvPr>
+        </p:nvSpPr>
+        <p:spPr/>
+        <p:txBody>
+          <a:bodyPr/>
+          <a:lstStyle/>
+          <a:p>
+            <a:endParaRPr lang="en-US" dirty="0"/>
+          </a:p>
+        </p:txBody>
+      </p:sp>
+      <p:sp>
+        <p:nvSpPr>
+          <p:cNvPr id="4" name="Slide Number Placeholder 3"/>
+          <p:cNvSpPr>
+            <a:spLocks noGrp="1"/>
+          </p:cNvSpPr>
+          <p:nvPr>
+            <p:ph type="sldNum" sz="quarter" idx="5"/>
+          </p:nvPr>
+        </p:nvSpPr>
+        <p:spPr/>
+        <p:txBody>
+          <a:bodyPr/>
+          <a:lstStyle/>
+          <a:p>
+            <a:fld id="{9EE0979A-DD38-4030-88CE-9FAE744EBACA}" type="slidenum">
+              <a:rPr lang="en-US" smtClean="0"/>
+              <a:t>3</a:t>
+            </a:fld>
+            <a:endParaRPr lang="en-US"/>
+          </a:p>
+        </p:txBody>
+      </p:sp>
+    </p:spTree>
+    <p:extLst>
+      <p:ext uri="{BB962C8B-B14F-4D97-AF65-F5344CB8AC3E}">
+        <p14:creationId xmlns:p14="http://schemas.microsoft.com/office/powerpoint/2010/main" val="3703506579"/>
+      </p:ext>
+    </p:extLst>
+  </p:cSld>
+  <p:clrMapOvr>
+    <a:masterClrMapping/>
+  </p:clrMapOvr>
+</p:notes>
+</file>
+
 <file path=ppt/slideLayouts/slideLayout1.xml><?xml version="1.0" encoding="utf-8"?>
 <p:sldLayout xmlns:a="http://schemas.openxmlformats.org/drawingml/2006/main" xmlns:r="http://schemas.openxmlformats.org/officeDocument/2006/relationships" xmlns:p="http://schemas.openxmlformats.org/presentationml/2006/main" type="title" preserve="1">
   <p:cSld name="Title Slide">
@@ -804,7 +889,7 @@
           <a:p>
             <a:fld id="{D6B294E4-950D-42C1-8A28-E2C70B0CEB94}" type="datetimeFigureOut">
               <a:rPr lang="en-US" smtClean="0"/>
-              <a:t>6/25/2024</a:t>
+              <a:t>9/30/2024</a:t>
             </a:fld>
             <a:endParaRPr lang="en-US"/>
           </a:p>
@@ -1002,7 +1087,7 @@
           <a:p>
             <a:fld id="{D6B294E4-950D-42C1-8A28-E2C70B0CEB94}" type="datetimeFigureOut">
               <a:rPr lang="en-US" smtClean="0"/>
-              <a:t>6/25/2024</a:t>
+              <a:t>9/30/2024</a:t>
             </a:fld>
             <a:endParaRPr lang="en-US"/>
           </a:p>
@@ -1210,7 +1295,7 @@
           <a:p>
             <a:fld id="{D6B294E4-950D-42C1-8A28-E2C70B0CEB94}" type="datetimeFigureOut">
               <a:rPr lang="en-US" smtClean="0"/>
-              <a:t>6/25/2024</a:t>
+              <a:t>9/30/2024</a:t>
             </a:fld>
             <a:endParaRPr lang="en-US"/>
           </a:p>
@@ -1408,7 +1493,7 @@
           <a:p>
             <a:fld id="{D6B294E4-950D-42C1-8A28-E2C70B0CEB94}" type="datetimeFigureOut">
               <a:rPr lang="en-US" smtClean="0"/>
-              <a:t>6/25/2024</a:t>
+              <a:t>9/30/2024</a:t>
             </a:fld>
             <a:endParaRPr lang="en-US"/>
           </a:p>
@@ -1683,7 +1768,7 @@
           <a:p>
             <a:fld id="{D6B294E4-950D-42C1-8A28-E2C70B0CEB94}" type="datetimeFigureOut">
               <a:rPr lang="en-US" smtClean="0"/>
-              <a:t>6/25/2024</a:t>
+              <a:t>9/30/2024</a:t>
             </a:fld>
             <a:endParaRPr lang="en-US"/>
           </a:p>
@@ -1948,7 +2033,7 @@
           <a:p>
             <a:fld id="{D6B294E4-950D-42C1-8A28-E2C70B0CEB94}" type="datetimeFigureOut">
               <a:rPr lang="en-US" smtClean="0"/>
-              <a:t>6/25/2024</a:t>
+              <a:t>9/30/2024</a:t>
             </a:fld>
             <a:endParaRPr lang="en-US"/>
           </a:p>
@@ -2360,7 +2445,7 @@
           <a:p>
             <a:fld id="{D6B294E4-950D-42C1-8A28-E2C70B0CEB94}" type="datetimeFigureOut">
               <a:rPr lang="en-US" smtClean="0"/>
-              <a:t>6/25/2024</a:t>
+              <a:t>9/30/2024</a:t>
             </a:fld>
             <a:endParaRPr lang="en-US"/>
           </a:p>
@@ -2501,7 +2586,7 @@
           <a:p>
             <a:fld id="{D6B294E4-950D-42C1-8A28-E2C70B0CEB94}" type="datetimeFigureOut">
               <a:rPr lang="en-US" smtClean="0"/>
-              <a:t>6/25/2024</a:t>
+              <a:t>9/30/2024</a:t>
             </a:fld>
             <a:endParaRPr lang="en-US"/>
           </a:p>
@@ -2614,7 +2699,7 @@
           <a:p>
             <a:fld id="{D6B294E4-950D-42C1-8A28-E2C70B0CEB94}" type="datetimeFigureOut">
               <a:rPr lang="en-US" smtClean="0"/>
-              <a:t>6/25/2024</a:t>
+              <a:t>9/30/2024</a:t>
             </a:fld>
             <a:endParaRPr lang="en-US"/>
           </a:p>
@@ -2925,7 +3010,7 @@
           <a:p>
             <a:fld id="{D6B294E4-950D-42C1-8A28-E2C70B0CEB94}" type="datetimeFigureOut">
               <a:rPr lang="en-US" smtClean="0"/>
-              <a:t>6/25/2024</a:t>
+              <a:t>9/30/2024</a:t>
             </a:fld>
             <a:endParaRPr lang="en-US"/>
           </a:p>
@@ -3213,7 +3298,7 @@
           <a:p>
             <a:fld id="{D6B294E4-950D-42C1-8A28-E2C70B0CEB94}" type="datetimeFigureOut">
               <a:rPr lang="en-US" smtClean="0"/>
-              <a:t>6/25/2024</a:t>
+              <a:t>9/30/2024</a:t>
             </a:fld>
             <a:endParaRPr lang="en-US"/>
           </a:p>
@@ -3454,7 +3539,7 @@
           <a:p>
             <a:fld id="{D6B294E4-950D-42C1-8A28-E2C70B0CEB94}" type="datetimeFigureOut">
               <a:rPr lang="en-US" smtClean="0"/>
-              <a:t>6/25/2024</a:t>
+              <a:t>9/30/2024</a:t>
             </a:fld>
             <a:endParaRPr lang="en-US"/>
           </a:p>
@@ -12636,6 +12721,3085 @@
     <p:extLst>
       <p:ext uri="{BB962C8B-B14F-4D97-AF65-F5344CB8AC3E}">
         <p14:creationId xmlns:p14="http://schemas.microsoft.com/office/powerpoint/2010/main" val="692980724"/>
+      </p:ext>
+    </p:extLst>
+  </p:cSld>
+  <p:clrMapOvr>
+    <a:masterClrMapping/>
+  </p:clrMapOvr>
+</p:sld>
+</file>
+
+<file path=ppt/slides/slide3.xml><?xml version="1.0" encoding="utf-8"?>
+<p:sld xmlns:a="http://schemas.openxmlformats.org/drawingml/2006/main" xmlns:r="http://schemas.openxmlformats.org/officeDocument/2006/relationships" xmlns:p="http://schemas.openxmlformats.org/presentationml/2006/main">
+  <p:cSld>
+    <p:spTree>
+      <p:nvGrpSpPr>
+        <p:cNvPr id="1" name=""/>
+        <p:cNvGrpSpPr/>
+        <p:nvPr/>
+      </p:nvGrpSpPr>
+      <p:grpSpPr>
+        <a:xfrm>
+          <a:off x="0" y="0"/>
+          <a:ext cx="0" cy="0"/>
+          <a:chOff x="0" y="0"/>
+          <a:chExt cx="0" cy="0"/>
+        </a:xfrm>
+      </p:grpSpPr>
+      <p:sp>
+        <p:nvSpPr>
+          <p:cNvPr id="21" name="Rectangle 20">
+            <a:extLst>
+              <a:ext uri="{FF2B5EF4-FFF2-40B4-BE49-F238E27FC236}">
+                <a16:creationId xmlns:a16="http://schemas.microsoft.com/office/drawing/2014/main" id="{EFDF99C5-9612-D27D-EA44-B23B314FA037}"/>
+              </a:ext>
+            </a:extLst>
+          </p:cNvPr>
+          <p:cNvSpPr/>
+          <p:nvPr/>
+        </p:nvSpPr>
+        <p:spPr>
+          <a:xfrm>
+            <a:off x="3254618" y="2242830"/>
+            <a:ext cx="868101" cy="816728"/>
+          </a:xfrm>
+          <a:prstGeom prst="rect">
+            <a:avLst/>
+          </a:prstGeom>
+          <a:noFill/>
+        </p:spPr>
+        <p:style>
+          <a:lnRef idx="2">
+            <a:schemeClr val="accent1">
+              <a:shade val="50000"/>
+            </a:schemeClr>
+          </a:lnRef>
+          <a:fillRef idx="1">
+            <a:schemeClr val="accent1"/>
+          </a:fillRef>
+          <a:effectRef idx="0">
+            <a:schemeClr val="accent1"/>
+          </a:effectRef>
+          <a:fontRef idx="minor">
+            <a:schemeClr val="lt1"/>
+          </a:fontRef>
+        </p:style>
+        <p:txBody>
+          <a:bodyPr rtlCol="0" anchor="ctr"/>
+          <a:lstStyle/>
+          <a:p>
+            <a:pPr algn="ctr"/>
+            <a:endParaRPr lang="en-US">
+              <a:latin typeface="Times New Roman" panose="02020603050405020304" pitchFamily="18" charset="0"/>
+              <a:cs typeface="Times New Roman" panose="02020603050405020304" pitchFamily="18" charset="0"/>
+            </a:endParaRPr>
+          </a:p>
+        </p:txBody>
+      </p:sp>
+      <p:sp>
+        <p:nvSpPr>
+          <p:cNvPr id="22" name="Rectangle 21">
+            <a:extLst>
+              <a:ext uri="{FF2B5EF4-FFF2-40B4-BE49-F238E27FC236}">
+                <a16:creationId xmlns:a16="http://schemas.microsoft.com/office/drawing/2014/main" id="{27CD8626-2E17-EC8D-FF3A-A619F5F4E69F}"/>
+              </a:ext>
+            </a:extLst>
+          </p:cNvPr>
+          <p:cNvSpPr/>
+          <p:nvPr/>
+        </p:nvSpPr>
+        <p:spPr>
+          <a:xfrm>
+            <a:off x="4122719" y="2242830"/>
+            <a:ext cx="868101" cy="816728"/>
+          </a:xfrm>
+          <a:prstGeom prst="rect">
+            <a:avLst/>
+          </a:prstGeom>
+          <a:noFill/>
+        </p:spPr>
+        <p:style>
+          <a:lnRef idx="2">
+            <a:schemeClr val="accent1">
+              <a:shade val="50000"/>
+            </a:schemeClr>
+          </a:lnRef>
+          <a:fillRef idx="1">
+            <a:schemeClr val="accent1"/>
+          </a:fillRef>
+          <a:effectRef idx="0">
+            <a:schemeClr val="accent1"/>
+          </a:effectRef>
+          <a:fontRef idx="minor">
+            <a:schemeClr val="lt1"/>
+          </a:fontRef>
+        </p:style>
+        <p:txBody>
+          <a:bodyPr rtlCol="0" anchor="ctr"/>
+          <a:lstStyle/>
+          <a:p>
+            <a:pPr algn="ctr"/>
+            <a:endParaRPr lang="en-US">
+              <a:latin typeface="Times New Roman" panose="02020603050405020304" pitchFamily="18" charset="0"/>
+              <a:cs typeface="Times New Roman" panose="02020603050405020304" pitchFamily="18" charset="0"/>
+            </a:endParaRPr>
+          </a:p>
+        </p:txBody>
+      </p:sp>
+      <p:sp>
+        <p:nvSpPr>
+          <p:cNvPr id="23" name="Rectangle 22">
+            <a:extLst>
+              <a:ext uri="{FF2B5EF4-FFF2-40B4-BE49-F238E27FC236}">
+                <a16:creationId xmlns:a16="http://schemas.microsoft.com/office/drawing/2014/main" id="{4F849AC0-8129-955E-ABD0-FA564531FAD1}"/>
+              </a:ext>
+            </a:extLst>
+          </p:cNvPr>
+          <p:cNvSpPr/>
+          <p:nvPr/>
+        </p:nvSpPr>
+        <p:spPr>
+          <a:xfrm>
+            <a:off x="4990820" y="2242830"/>
+            <a:ext cx="868101" cy="816728"/>
+          </a:xfrm>
+          <a:prstGeom prst="rect">
+            <a:avLst/>
+          </a:prstGeom>
+          <a:noFill/>
+        </p:spPr>
+        <p:style>
+          <a:lnRef idx="2">
+            <a:schemeClr val="accent1">
+              <a:shade val="50000"/>
+            </a:schemeClr>
+          </a:lnRef>
+          <a:fillRef idx="1">
+            <a:schemeClr val="accent1"/>
+          </a:fillRef>
+          <a:effectRef idx="0">
+            <a:schemeClr val="accent1"/>
+          </a:effectRef>
+          <a:fontRef idx="minor">
+            <a:schemeClr val="lt1"/>
+          </a:fontRef>
+        </p:style>
+        <p:txBody>
+          <a:bodyPr rtlCol="0" anchor="ctr"/>
+          <a:lstStyle/>
+          <a:p>
+            <a:pPr algn="ctr"/>
+            <a:endParaRPr lang="en-US">
+              <a:latin typeface="Times New Roman" panose="02020603050405020304" pitchFamily="18" charset="0"/>
+              <a:cs typeface="Times New Roman" panose="02020603050405020304" pitchFamily="18" charset="0"/>
+            </a:endParaRPr>
+          </a:p>
+        </p:txBody>
+      </p:sp>
+      <p:sp>
+        <p:nvSpPr>
+          <p:cNvPr id="24" name="Rectangle 23">
+            <a:extLst>
+              <a:ext uri="{FF2B5EF4-FFF2-40B4-BE49-F238E27FC236}">
+                <a16:creationId xmlns:a16="http://schemas.microsoft.com/office/drawing/2014/main" id="{CF4C52B7-5B2E-1973-73EB-ADDC699526A8}"/>
+              </a:ext>
+            </a:extLst>
+          </p:cNvPr>
+          <p:cNvSpPr/>
+          <p:nvPr/>
+        </p:nvSpPr>
+        <p:spPr>
+          <a:xfrm>
+            <a:off x="5858921" y="2242830"/>
+            <a:ext cx="868101" cy="816728"/>
+          </a:xfrm>
+          <a:prstGeom prst="rect">
+            <a:avLst/>
+          </a:prstGeom>
+          <a:noFill/>
+        </p:spPr>
+        <p:style>
+          <a:lnRef idx="2">
+            <a:schemeClr val="accent1">
+              <a:shade val="50000"/>
+            </a:schemeClr>
+          </a:lnRef>
+          <a:fillRef idx="1">
+            <a:schemeClr val="accent1"/>
+          </a:fillRef>
+          <a:effectRef idx="0">
+            <a:schemeClr val="accent1"/>
+          </a:effectRef>
+          <a:fontRef idx="minor">
+            <a:schemeClr val="lt1"/>
+          </a:fontRef>
+        </p:style>
+        <p:txBody>
+          <a:bodyPr rtlCol="0" anchor="ctr"/>
+          <a:lstStyle/>
+          <a:p>
+            <a:pPr algn="ctr"/>
+            <a:endParaRPr lang="en-US">
+              <a:latin typeface="Times New Roman" panose="02020603050405020304" pitchFamily="18" charset="0"/>
+              <a:cs typeface="Times New Roman" panose="02020603050405020304" pitchFamily="18" charset="0"/>
+            </a:endParaRPr>
+          </a:p>
+        </p:txBody>
+      </p:sp>
+      <p:sp>
+        <p:nvSpPr>
+          <p:cNvPr id="25" name="Rectangle 24">
+            <a:extLst>
+              <a:ext uri="{FF2B5EF4-FFF2-40B4-BE49-F238E27FC236}">
+                <a16:creationId xmlns:a16="http://schemas.microsoft.com/office/drawing/2014/main" id="{42CB8C3B-E759-BAA5-45DC-8B8749A18867}"/>
+              </a:ext>
+            </a:extLst>
+          </p:cNvPr>
+          <p:cNvSpPr/>
+          <p:nvPr/>
+        </p:nvSpPr>
+        <p:spPr>
+          <a:xfrm>
+            <a:off x="3254618" y="3059558"/>
+            <a:ext cx="868101" cy="816728"/>
+          </a:xfrm>
+          <a:prstGeom prst="rect">
+            <a:avLst/>
+          </a:prstGeom>
+          <a:noFill/>
+        </p:spPr>
+        <p:style>
+          <a:lnRef idx="2">
+            <a:schemeClr val="accent1">
+              <a:shade val="50000"/>
+            </a:schemeClr>
+          </a:lnRef>
+          <a:fillRef idx="1">
+            <a:schemeClr val="accent1"/>
+          </a:fillRef>
+          <a:effectRef idx="0">
+            <a:schemeClr val="accent1"/>
+          </a:effectRef>
+          <a:fontRef idx="minor">
+            <a:schemeClr val="lt1"/>
+          </a:fontRef>
+        </p:style>
+        <p:txBody>
+          <a:bodyPr rtlCol="0" anchor="ctr"/>
+          <a:lstStyle/>
+          <a:p>
+            <a:pPr algn="ctr"/>
+            <a:endParaRPr lang="en-US">
+              <a:latin typeface="Times New Roman" panose="02020603050405020304" pitchFamily="18" charset="0"/>
+              <a:cs typeface="Times New Roman" panose="02020603050405020304" pitchFamily="18" charset="0"/>
+            </a:endParaRPr>
+          </a:p>
+        </p:txBody>
+      </p:sp>
+      <p:sp>
+        <p:nvSpPr>
+          <p:cNvPr id="26" name="Rectangle 25">
+            <a:extLst>
+              <a:ext uri="{FF2B5EF4-FFF2-40B4-BE49-F238E27FC236}">
+                <a16:creationId xmlns:a16="http://schemas.microsoft.com/office/drawing/2014/main" id="{1377555B-621D-839F-A6D2-C88F8897F556}"/>
+              </a:ext>
+            </a:extLst>
+          </p:cNvPr>
+          <p:cNvSpPr/>
+          <p:nvPr/>
+        </p:nvSpPr>
+        <p:spPr>
+          <a:xfrm>
+            <a:off x="4122719" y="3059558"/>
+            <a:ext cx="868101" cy="816728"/>
+          </a:xfrm>
+          <a:prstGeom prst="rect">
+            <a:avLst/>
+          </a:prstGeom>
+          <a:noFill/>
+        </p:spPr>
+        <p:style>
+          <a:lnRef idx="2">
+            <a:schemeClr val="accent1">
+              <a:shade val="50000"/>
+            </a:schemeClr>
+          </a:lnRef>
+          <a:fillRef idx="1">
+            <a:schemeClr val="accent1"/>
+          </a:fillRef>
+          <a:effectRef idx="0">
+            <a:schemeClr val="accent1"/>
+          </a:effectRef>
+          <a:fontRef idx="minor">
+            <a:schemeClr val="lt1"/>
+          </a:fontRef>
+        </p:style>
+        <p:txBody>
+          <a:bodyPr rtlCol="0" anchor="ctr"/>
+          <a:lstStyle/>
+          <a:p>
+            <a:pPr algn="ctr"/>
+            <a:endParaRPr lang="en-US">
+              <a:latin typeface="Times New Roman" panose="02020603050405020304" pitchFamily="18" charset="0"/>
+              <a:cs typeface="Times New Roman" panose="02020603050405020304" pitchFamily="18" charset="0"/>
+            </a:endParaRPr>
+          </a:p>
+        </p:txBody>
+      </p:sp>
+      <p:sp>
+        <p:nvSpPr>
+          <p:cNvPr id="27" name="Rectangle 26">
+            <a:extLst>
+              <a:ext uri="{FF2B5EF4-FFF2-40B4-BE49-F238E27FC236}">
+                <a16:creationId xmlns:a16="http://schemas.microsoft.com/office/drawing/2014/main" id="{168512F6-D5E0-066F-ECB7-41053D54DC82}"/>
+              </a:ext>
+            </a:extLst>
+          </p:cNvPr>
+          <p:cNvSpPr/>
+          <p:nvPr/>
+        </p:nvSpPr>
+        <p:spPr>
+          <a:xfrm>
+            <a:off x="4990820" y="3059558"/>
+            <a:ext cx="868101" cy="816728"/>
+          </a:xfrm>
+          <a:prstGeom prst="rect">
+            <a:avLst/>
+          </a:prstGeom>
+          <a:noFill/>
+        </p:spPr>
+        <p:style>
+          <a:lnRef idx="2">
+            <a:schemeClr val="accent1">
+              <a:shade val="50000"/>
+            </a:schemeClr>
+          </a:lnRef>
+          <a:fillRef idx="1">
+            <a:schemeClr val="accent1"/>
+          </a:fillRef>
+          <a:effectRef idx="0">
+            <a:schemeClr val="accent1"/>
+          </a:effectRef>
+          <a:fontRef idx="minor">
+            <a:schemeClr val="lt1"/>
+          </a:fontRef>
+        </p:style>
+        <p:txBody>
+          <a:bodyPr rtlCol="0" anchor="ctr"/>
+          <a:lstStyle/>
+          <a:p>
+            <a:pPr algn="ctr"/>
+            <a:endParaRPr lang="en-US">
+              <a:latin typeface="Times New Roman" panose="02020603050405020304" pitchFamily="18" charset="0"/>
+              <a:cs typeface="Times New Roman" panose="02020603050405020304" pitchFamily="18" charset="0"/>
+            </a:endParaRPr>
+          </a:p>
+        </p:txBody>
+      </p:sp>
+      <p:sp>
+        <p:nvSpPr>
+          <p:cNvPr id="28" name="Rectangle 27">
+            <a:extLst>
+              <a:ext uri="{FF2B5EF4-FFF2-40B4-BE49-F238E27FC236}">
+                <a16:creationId xmlns:a16="http://schemas.microsoft.com/office/drawing/2014/main" id="{849DECE7-5D3D-13AC-4090-4393D5F79D01}"/>
+              </a:ext>
+            </a:extLst>
+          </p:cNvPr>
+          <p:cNvSpPr/>
+          <p:nvPr/>
+        </p:nvSpPr>
+        <p:spPr>
+          <a:xfrm>
+            <a:off x="5858921" y="3059558"/>
+            <a:ext cx="868101" cy="816728"/>
+          </a:xfrm>
+          <a:prstGeom prst="rect">
+            <a:avLst/>
+          </a:prstGeom>
+          <a:noFill/>
+        </p:spPr>
+        <p:style>
+          <a:lnRef idx="2">
+            <a:schemeClr val="accent1">
+              <a:shade val="50000"/>
+            </a:schemeClr>
+          </a:lnRef>
+          <a:fillRef idx="1">
+            <a:schemeClr val="accent1"/>
+          </a:fillRef>
+          <a:effectRef idx="0">
+            <a:schemeClr val="accent1"/>
+          </a:effectRef>
+          <a:fontRef idx="minor">
+            <a:schemeClr val="lt1"/>
+          </a:fontRef>
+        </p:style>
+        <p:txBody>
+          <a:bodyPr rtlCol="0" anchor="ctr"/>
+          <a:lstStyle/>
+          <a:p>
+            <a:pPr algn="ctr"/>
+            <a:endParaRPr lang="en-US">
+              <a:latin typeface="Times New Roman" panose="02020603050405020304" pitchFamily="18" charset="0"/>
+              <a:cs typeface="Times New Roman" panose="02020603050405020304" pitchFamily="18" charset="0"/>
+            </a:endParaRPr>
+          </a:p>
+        </p:txBody>
+      </p:sp>
+      <p:sp>
+        <p:nvSpPr>
+          <p:cNvPr id="29" name="Rectangle 28">
+            <a:extLst>
+              <a:ext uri="{FF2B5EF4-FFF2-40B4-BE49-F238E27FC236}">
+                <a16:creationId xmlns:a16="http://schemas.microsoft.com/office/drawing/2014/main" id="{6C42BC32-73F1-1F6E-DBAB-AE5998E282F8}"/>
+              </a:ext>
+            </a:extLst>
+          </p:cNvPr>
+          <p:cNvSpPr/>
+          <p:nvPr/>
+        </p:nvSpPr>
+        <p:spPr>
+          <a:xfrm>
+            <a:off x="3254618" y="3876286"/>
+            <a:ext cx="868101" cy="816728"/>
+          </a:xfrm>
+          <a:prstGeom prst="rect">
+            <a:avLst/>
+          </a:prstGeom>
+          <a:noFill/>
+        </p:spPr>
+        <p:style>
+          <a:lnRef idx="2">
+            <a:schemeClr val="accent1">
+              <a:shade val="50000"/>
+            </a:schemeClr>
+          </a:lnRef>
+          <a:fillRef idx="1">
+            <a:schemeClr val="accent1"/>
+          </a:fillRef>
+          <a:effectRef idx="0">
+            <a:schemeClr val="accent1"/>
+          </a:effectRef>
+          <a:fontRef idx="minor">
+            <a:schemeClr val="lt1"/>
+          </a:fontRef>
+        </p:style>
+        <p:txBody>
+          <a:bodyPr rtlCol="0" anchor="ctr"/>
+          <a:lstStyle/>
+          <a:p>
+            <a:pPr algn="ctr"/>
+            <a:endParaRPr lang="en-US">
+              <a:latin typeface="Times New Roman" panose="02020603050405020304" pitchFamily="18" charset="0"/>
+              <a:cs typeface="Times New Roman" panose="02020603050405020304" pitchFamily="18" charset="0"/>
+            </a:endParaRPr>
+          </a:p>
+        </p:txBody>
+      </p:sp>
+      <p:sp>
+        <p:nvSpPr>
+          <p:cNvPr id="30" name="Rectangle 29">
+            <a:extLst>
+              <a:ext uri="{FF2B5EF4-FFF2-40B4-BE49-F238E27FC236}">
+                <a16:creationId xmlns:a16="http://schemas.microsoft.com/office/drawing/2014/main" id="{D7F3186D-ABE0-70B4-20BE-47665AEC0DF2}"/>
+              </a:ext>
+            </a:extLst>
+          </p:cNvPr>
+          <p:cNvSpPr/>
+          <p:nvPr/>
+        </p:nvSpPr>
+        <p:spPr>
+          <a:xfrm>
+            <a:off x="4122719" y="3876286"/>
+            <a:ext cx="868101" cy="816728"/>
+          </a:xfrm>
+          <a:prstGeom prst="rect">
+            <a:avLst/>
+          </a:prstGeom>
+          <a:noFill/>
+        </p:spPr>
+        <p:style>
+          <a:lnRef idx="2">
+            <a:schemeClr val="accent1">
+              <a:shade val="50000"/>
+            </a:schemeClr>
+          </a:lnRef>
+          <a:fillRef idx="1">
+            <a:schemeClr val="accent1"/>
+          </a:fillRef>
+          <a:effectRef idx="0">
+            <a:schemeClr val="accent1"/>
+          </a:effectRef>
+          <a:fontRef idx="minor">
+            <a:schemeClr val="lt1"/>
+          </a:fontRef>
+        </p:style>
+        <p:txBody>
+          <a:bodyPr rtlCol="0" anchor="ctr"/>
+          <a:lstStyle/>
+          <a:p>
+            <a:pPr algn="ctr"/>
+            <a:endParaRPr lang="en-US">
+              <a:latin typeface="Times New Roman" panose="02020603050405020304" pitchFamily="18" charset="0"/>
+              <a:cs typeface="Times New Roman" panose="02020603050405020304" pitchFamily="18" charset="0"/>
+            </a:endParaRPr>
+          </a:p>
+        </p:txBody>
+      </p:sp>
+      <p:sp>
+        <p:nvSpPr>
+          <p:cNvPr id="31" name="Rectangle 30">
+            <a:extLst>
+              <a:ext uri="{FF2B5EF4-FFF2-40B4-BE49-F238E27FC236}">
+                <a16:creationId xmlns:a16="http://schemas.microsoft.com/office/drawing/2014/main" id="{E8D6EF37-2E50-ADB9-57B1-684EBBB20938}"/>
+              </a:ext>
+            </a:extLst>
+          </p:cNvPr>
+          <p:cNvSpPr/>
+          <p:nvPr/>
+        </p:nvSpPr>
+        <p:spPr>
+          <a:xfrm>
+            <a:off x="4990820" y="3876286"/>
+            <a:ext cx="868101" cy="816728"/>
+          </a:xfrm>
+          <a:prstGeom prst="rect">
+            <a:avLst/>
+          </a:prstGeom>
+          <a:noFill/>
+        </p:spPr>
+        <p:style>
+          <a:lnRef idx="2">
+            <a:schemeClr val="accent1">
+              <a:shade val="50000"/>
+            </a:schemeClr>
+          </a:lnRef>
+          <a:fillRef idx="1">
+            <a:schemeClr val="accent1"/>
+          </a:fillRef>
+          <a:effectRef idx="0">
+            <a:schemeClr val="accent1"/>
+          </a:effectRef>
+          <a:fontRef idx="minor">
+            <a:schemeClr val="lt1"/>
+          </a:fontRef>
+        </p:style>
+        <p:txBody>
+          <a:bodyPr rtlCol="0" anchor="ctr"/>
+          <a:lstStyle/>
+          <a:p>
+            <a:pPr algn="ctr"/>
+            <a:endParaRPr lang="en-US">
+              <a:latin typeface="Times New Roman" panose="02020603050405020304" pitchFamily="18" charset="0"/>
+              <a:cs typeface="Times New Roman" panose="02020603050405020304" pitchFamily="18" charset="0"/>
+            </a:endParaRPr>
+          </a:p>
+        </p:txBody>
+      </p:sp>
+      <p:sp>
+        <p:nvSpPr>
+          <p:cNvPr id="32" name="Rectangle 31">
+            <a:extLst>
+              <a:ext uri="{FF2B5EF4-FFF2-40B4-BE49-F238E27FC236}">
+                <a16:creationId xmlns:a16="http://schemas.microsoft.com/office/drawing/2014/main" id="{C6DA0339-5D11-2A8F-24F3-6F1E4815EA2E}"/>
+              </a:ext>
+            </a:extLst>
+          </p:cNvPr>
+          <p:cNvSpPr/>
+          <p:nvPr/>
+        </p:nvSpPr>
+        <p:spPr>
+          <a:xfrm>
+            <a:off x="5858921" y="3876286"/>
+            <a:ext cx="868101" cy="816728"/>
+          </a:xfrm>
+          <a:prstGeom prst="rect">
+            <a:avLst/>
+          </a:prstGeom>
+          <a:noFill/>
+        </p:spPr>
+        <p:style>
+          <a:lnRef idx="2">
+            <a:schemeClr val="accent1">
+              <a:shade val="50000"/>
+            </a:schemeClr>
+          </a:lnRef>
+          <a:fillRef idx="1">
+            <a:schemeClr val="accent1"/>
+          </a:fillRef>
+          <a:effectRef idx="0">
+            <a:schemeClr val="accent1"/>
+          </a:effectRef>
+          <a:fontRef idx="minor">
+            <a:schemeClr val="lt1"/>
+          </a:fontRef>
+        </p:style>
+        <p:txBody>
+          <a:bodyPr rtlCol="0" anchor="ctr"/>
+          <a:lstStyle/>
+          <a:p>
+            <a:pPr algn="ctr"/>
+            <a:endParaRPr lang="en-US">
+              <a:latin typeface="Times New Roman" panose="02020603050405020304" pitchFamily="18" charset="0"/>
+              <a:cs typeface="Times New Roman" panose="02020603050405020304" pitchFamily="18" charset="0"/>
+            </a:endParaRPr>
+          </a:p>
+        </p:txBody>
+      </p:sp>
+      <p:sp>
+        <p:nvSpPr>
+          <p:cNvPr id="33" name="Rectangle 32">
+            <a:extLst>
+              <a:ext uri="{FF2B5EF4-FFF2-40B4-BE49-F238E27FC236}">
+                <a16:creationId xmlns:a16="http://schemas.microsoft.com/office/drawing/2014/main" id="{A99BFD6B-329F-B2C4-D263-703EFA35B470}"/>
+              </a:ext>
+            </a:extLst>
+          </p:cNvPr>
+          <p:cNvSpPr/>
+          <p:nvPr/>
+        </p:nvSpPr>
+        <p:spPr>
+          <a:xfrm>
+            <a:off x="3254618" y="4693014"/>
+            <a:ext cx="868101" cy="816728"/>
+          </a:xfrm>
+          <a:prstGeom prst="rect">
+            <a:avLst/>
+          </a:prstGeom>
+          <a:noFill/>
+        </p:spPr>
+        <p:style>
+          <a:lnRef idx="2">
+            <a:schemeClr val="accent1">
+              <a:shade val="50000"/>
+            </a:schemeClr>
+          </a:lnRef>
+          <a:fillRef idx="1">
+            <a:schemeClr val="accent1"/>
+          </a:fillRef>
+          <a:effectRef idx="0">
+            <a:schemeClr val="accent1"/>
+          </a:effectRef>
+          <a:fontRef idx="minor">
+            <a:schemeClr val="lt1"/>
+          </a:fontRef>
+        </p:style>
+        <p:txBody>
+          <a:bodyPr rtlCol="0" anchor="ctr"/>
+          <a:lstStyle/>
+          <a:p>
+            <a:pPr algn="ctr"/>
+            <a:endParaRPr lang="en-US">
+              <a:latin typeface="Times New Roman" panose="02020603050405020304" pitchFamily="18" charset="0"/>
+              <a:cs typeface="Times New Roman" panose="02020603050405020304" pitchFamily="18" charset="0"/>
+            </a:endParaRPr>
+          </a:p>
+        </p:txBody>
+      </p:sp>
+      <p:sp>
+        <p:nvSpPr>
+          <p:cNvPr id="34" name="Rectangle 33">
+            <a:extLst>
+              <a:ext uri="{FF2B5EF4-FFF2-40B4-BE49-F238E27FC236}">
+                <a16:creationId xmlns:a16="http://schemas.microsoft.com/office/drawing/2014/main" id="{9C6C558F-E640-AA38-1708-ABBA5FFE16F4}"/>
+              </a:ext>
+            </a:extLst>
+          </p:cNvPr>
+          <p:cNvSpPr/>
+          <p:nvPr/>
+        </p:nvSpPr>
+        <p:spPr>
+          <a:xfrm>
+            <a:off x="4122719" y="4693014"/>
+            <a:ext cx="868101" cy="816728"/>
+          </a:xfrm>
+          <a:prstGeom prst="rect">
+            <a:avLst/>
+          </a:prstGeom>
+          <a:noFill/>
+        </p:spPr>
+        <p:style>
+          <a:lnRef idx="2">
+            <a:schemeClr val="accent1">
+              <a:shade val="50000"/>
+            </a:schemeClr>
+          </a:lnRef>
+          <a:fillRef idx="1">
+            <a:schemeClr val="accent1"/>
+          </a:fillRef>
+          <a:effectRef idx="0">
+            <a:schemeClr val="accent1"/>
+          </a:effectRef>
+          <a:fontRef idx="minor">
+            <a:schemeClr val="lt1"/>
+          </a:fontRef>
+        </p:style>
+        <p:txBody>
+          <a:bodyPr rtlCol="0" anchor="ctr"/>
+          <a:lstStyle/>
+          <a:p>
+            <a:pPr algn="ctr"/>
+            <a:endParaRPr lang="en-US">
+              <a:latin typeface="Times New Roman" panose="02020603050405020304" pitchFamily="18" charset="0"/>
+              <a:cs typeface="Times New Roman" panose="02020603050405020304" pitchFamily="18" charset="0"/>
+            </a:endParaRPr>
+          </a:p>
+        </p:txBody>
+      </p:sp>
+      <p:sp>
+        <p:nvSpPr>
+          <p:cNvPr id="35" name="Rectangle 34">
+            <a:extLst>
+              <a:ext uri="{FF2B5EF4-FFF2-40B4-BE49-F238E27FC236}">
+                <a16:creationId xmlns:a16="http://schemas.microsoft.com/office/drawing/2014/main" id="{74424DBC-FB51-DD68-7020-905BFEE4B3D1}"/>
+              </a:ext>
+            </a:extLst>
+          </p:cNvPr>
+          <p:cNvSpPr/>
+          <p:nvPr/>
+        </p:nvSpPr>
+        <p:spPr>
+          <a:xfrm>
+            <a:off x="4990820" y="4693014"/>
+            <a:ext cx="868101" cy="816728"/>
+          </a:xfrm>
+          <a:prstGeom prst="rect">
+            <a:avLst/>
+          </a:prstGeom>
+          <a:noFill/>
+        </p:spPr>
+        <p:style>
+          <a:lnRef idx="2">
+            <a:schemeClr val="accent1">
+              <a:shade val="50000"/>
+            </a:schemeClr>
+          </a:lnRef>
+          <a:fillRef idx="1">
+            <a:schemeClr val="accent1"/>
+          </a:fillRef>
+          <a:effectRef idx="0">
+            <a:schemeClr val="accent1"/>
+          </a:effectRef>
+          <a:fontRef idx="minor">
+            <a:schemeClr val="lt1"/>
+          </a:fontRef>
+        </p:style>
+        <p:txBody>
+          <a:bodyPr rtlCol="0" anchor="ctr"/>
+          <a:lstStyle/>
+          <a:p>
+            <a:pPr algn="ctr"/>
+            <a:endParaRPr lang="en-US">
+              <a:latin typeface="Times New Roman" panose="02020603050405020304" pitchFamily="18" charset="0"/>
+              <a:cs typeface="Times New Roman" panose="02020603050405020304" pitchFamily="18" charset="0"/>
+            </a:endParaRPr>
+          </a:p>
+        </p:txBody>
+      </p:sp>
+      <p:sp>
+        <p:nvSpPr>
+          <p:cNvPr id="36" name="Rectangle 35">
+            <a:extLst>
+              <a:ext uri="{FF2B5EF4-FFF2-40B4-BE49-F238E27FC236}">
+                <a16:creationId xmlns:a16="http://schemas.microsoft.com/office/drawing/2014/main" id="{D15AADF5-FB9F-95B2-EC12-63078A176FED}"/>
+              </a:ext>
+            </a:extLst>
+          </p:cNvPr>
+          <p:cNvSpPr/>
+          <p:nvPr/>
+        </p:nvSpPr>
+        <p:spPr>
+          <a:xfrm>
+            <a:off x="5858921" y="4693014"/>
+            <a:ext cx="868101" cy="816728"/>
+          </a:xfrm>
+          <a:prstGeom prst="rect">
+            <a:avLst/>
+          </a:prstGeom>
+          <a:noFill/>
+        </p:spPr>
+        <p:style>
+          <a:lnRef idx="2">
+            <a:schemeClr val="accent1">
+              <a:shade val="50000"/>
+            </a:schemeClr>
+          </a:lnRef>
+          <a:fillRef idx="1">
+            <a:schemeClr val="accent1"/>
+          </a:fillRef>
+          <a:effectRef idx="0">
+            <a:schemeClr val="accent1"/>
+          </a:effectRef>
+          <a:fontRef idx="minor">
+            <a:schemeClr val="lt1"/>
+          </a:fontRef>
+        </p:style>
+        <p:txBody>
+          <a:bodyPr rtlCol="0" anchor="ctr"/>
+          <a:lstStyle/>
+          <a:p>
+            <a:pPr algn="ctr"/>
+            <a:endParaRPr lang="en-US">
+              <a:latin typeface="Times New Roman" panose="02020603050405020304" pitchFamily="18" charset="0"/>
+              <a:cs typeface="Times New Roman" panose="02020603050405020304" pitchFamily="18" charset="0"/>
+            </a:endParaRPr>
+          </a:p>
+        </p:txBody>
+      </p:sp>
+      <p:cxnSp>
+        <p:nvCxnSpPr>
+          <p:cNvPr id="78" name="Straight Connector 77">
+            <a:extLst>
+              <a:ext uri="{FF2B5EF4-FFF2-40B4-BE49-F238E27FC236}">
+                <a16:creationId xmlns:a16="http://schemas.microsoft.com/office/drawing/2014/main" id="{9A7ABC67-5BA3-00C6-A202-A3B877563BA2}"/>
+              </a:ext>
+            </a:extLst>
+          </p:cNvPr>
+          <p:cNvCxnSpPr>
+            <a:cxnSpLocks/>
+          </p:cNvCxnSpPr>
+          <p:nvPr/>
+        </p:nvCxnSpPr>
+        <p:spPr>
+          <a:xfrm>
+            <a:off x="3056466" y="5509742"/>
+            <a:ext cx="6477000" cy="0"/>
+          </a:xfrm>
+          <a:prstGeom prst="line">
+            <a:avLst/>
+          </a:prstGeom>
+          <a:ln w="57150"/>
+        </p:spPr>
+        <p:style>
+          <a:lnRef idx="1">
+            <a:schemeClr val="accent1"/>
+          </a:lnRef>
+          <a:fillRef idx="0">
+            <a:schemeClr val="accent1"/>
+          </a:fillRef>
+          <a:effectRef idx="0">
+            <a:schemeClr val="accent1"/>
+          </a:effectRef>
+          <a:fontRef idx="minor">
+            <a:schemeClr val="tx1"/>
+          </a:fontRef>
+        </p:style>
+      </p:cxnSp>
+      <p:sp>
+        <p:nvSpPr>
+          <p:cNvPr id="139" name="Rectangle 138">
+            <a:extLst>
+              <a:ext uri="{FF2B5EF4-FFF2-40B4-BE49-F238E27FC236}">
+                <a16:creationId xmlns:a16="http://schemas.microsoft.com/office/drawing/2014/main" id="{95093ED9-1850-8758-D65A-5F8664827FCD}"/>
+              </a:ext>
+            </a:extLst>
+          </p:cNvPr>
+          <p:cNvSpPr/>
+          <p:nvPr/>
+        </p:nvSpPr>
+        <p:spPr>
+          <a:xfrm>
+            <a:off x="6728871" y="2242830"/>
+            <a:ext cx="868101" cy="816728"/>
+          </a:xfrm>
+          <a:prstGeom prst="rect">
+            <a:avLst/>
+          </a:prstGeom>
+          <a:noFill/>
+        </p:spPr>
+        <p:style>
+          <a:lnRef idx="2">
+            <a:schemeClr val="accent1">
+              <a:shade val="50000"/>
+            </a:schemeClr>
+          </a:lnRef>
+          <a:fillRef idx="1">
+            <a:schemeClr val="accent1"/>
+          </a:fillRef>
+          <a:effectRef idx="0">
+            <a:schemeClr val="accent1"/>
+          </a:effectRef>
+          <a:fontRef idx="minor">
+            <a:schemeClr val="lt1"/>
+          </a:fontRef>
+        </p:style>
+        <p:txBody>
+          <a:bodyPr rtlCol="0" anchor="ctr"/>
+          <a:lstStyle/>
+          <a:p>
+            <a:pPr algn="ctr"/>
+            <a:endParaRPr lang="en-US">
+              <a:latin typeface="Times New Roman" panose="02020603050405020304" pitchFamily="18" charset="0"/>
+              <a:cs typeface="Times New Roman" panose="02020603050405020304" pitchFamily="18" charset="0"/>
+            </a:endParaRPr>
+          </a:p>
+        </p:txBody>
+      </p:sp>
+      <p:sp>
+        <p:nvSpPr>
+          <p:cNvPr id="140" name="Rectangle 139">
+            <a:extLst>
+              <a:ext uri="{FF2B5EF4-FFF2-40B4-BE49-F238E27FC236}">
+                <a16:creationId xmlns:a16="http://schemas.microsoft.com/office/drawing/2014/main" id="{A251534C-8806-4F10-D670-BAA128A2C48F}"/>
+              </a:ext>
+            </a:extLst>
+          </p:cNvPr>
+          <p:cNvSpPr/>
+          <p:nvPr/>
+        </p:nvSpPr>
+        <p:spPr>
+          <a:xfrm>
+            <a:off x="6728871" y="3059558"/>
+            <a:ext cx="868101" cy="816728"/>
+          </a:xfrm>
+          <a:prstGeom prst="rect">
+            <a:avLst/>
+          </a:prstGeom>
+          <a:noFill/>
+        </p:spPr>
+        <p:style>
+          <a:lnRef idx="2">
+            <a:schemeClr val="accent1">
+              <a:shade val="50000"/>
+            </a:schemeClr>
+          </a:lnRef>
+          <a:fillRef idx="1">
+            <a:schemeClr val="accent1"/>
+          </a:fillRef>
+          <a:effectRef idx="0">
+            <a:schemeClr val="accent1"/>
+          </a:effectRef>
+          <a:fontRef idx="minor">
+            <a:schemeClr val="lt1"/>
+          </a:fontRef>
+        </p:style>
+        <p:txBody>
+          <a:bodyPr rtlCol="0" anchor="ctr"/>
+          <a:lstStyle/>
+          <a:p>
+            <a:pPr algn="ctr"/>
+            <a:endParaRPr lang="en-US">
+              <a:latin typeface="Times New Roman" panose="02020603050405020304" pitchFamily="18" charset="0"/>
+              <a:cs typeface="Times New Roman" panose="02020603050405020304" pitchFamily="18" charset="0"/>
+            </a:endParaRPr>
+          </a:p>
+        </p:txBody>
+      </p:sp>
+      <p:sp>
+        <p:nvSpPr>
+          <p:cNvPr id="141" name="Rectangle 140">
+            <a:extLst>
+              <a:ext uri="{FF2B5EF4-FFF2-40B4-BE49-F238E27FC236}">
+                <a16:creationId xmlns:a16="http://schemas.microsoft.com/office/drawing/2014/main" id="{7CF2A5AF-AAD1-ACD7-82E8-59D5951121D9}"/>
+              </a:ext>
+            </a:extLst>
+          </p:cNvPr>
+          <p:cNvSpPr/>
+          <p:nvPr/>
+        </p:nvSpPr>
+        <p:spPr>
+          <a:xfrm>
+            <a:off x="6728871" y="3876286"/>
+            <a:ext cx="868101" cy="816728"/>
+          </a:xfrm>
+          <a:prstGeom prst="rect">
+            <a:avLst/>
+          </a:prstGeom>
+          <a:noFill/>
+        </p:spPr>
+        <p:style>
+          <a:lnRef idx="2">
+            <a:schemeClr val="accent1">
+              <a:shade val="50000"/>
+            </a:schemeClr>
+          </a:lnRef>
+          <a:fillRef idx="1">
+            <a:schemeClr val="accent1"/>
+          </a:fillRef>
+          <a:effectRef idx="0">
+            <a:schemeClr val="accent1"/>
+          </a:effectRef>
+          <a:fontRef idx="minor">
+            <a:schemeClr val="lt1"/>
+          </a:fontRef>
+        </p:style>
+        <p:txBody>
+          <a:bodyPr rtlCol="0" anchor="ctr"/>
+          <a:lstStyle/>
+          <a:p>
+            <a:pPr algn="ctr"/>
+            <a:endParaRPr lang="en-US">
+              <a:latin typeface="Times New Roman" panose="02020603050405020304" pitchFamily="18" charset="0"/>
+              <a:cs typeface="Times New Roman" panose="02020603050405020304" pitchFamily="18" charset="0"/>
+            </a:endParaRPr>
+          </a:p>
+        </p:txBody>
+      </p:sp>
+      <p:sp>
+        <p:nvSpPr>
+          <p:cNvPr id="142" name="Rectangle 141">
+            <a:extLst>
+              <a:ext uri="{FF2B5EF4-FFF2-40B4-BE49-F238E27FC236}">
+                <a16:creationId xmlns:a16="http://schemas.microsoft.com/office/drawing/2014/main" id="{C52620E4-5FFF-E4F8-DE42-BA16E4880C6D}"/>
+              </a:ext>
+            </a:extLst>
+          </p:cNvPr>
+          <p:cNvSpPr/>
+          <p:nvPr/>
+        </p:nvSpPr>
+        <p:spPr>
+          <a:xfrm>
+            <a:off x="6728871" y="4693014"/>
+            <a:ext cx="868101" cy="816728"/>
+          </a:xfrm>
+          <a:prstGeom prst="rect">
+            <a:avLst/>
+          </a:prstGeom>
+          <a:noFill/>
+        </p:spPr>
+        <p:style>
+          <a:lnRef idx="2">
+            <a:schemeClr val="accent1">
+              <a:shade val="50000"/>
+            </a:schemeClr>
+          </a:lnRef>
+          <a:fillRef idx="1">
+            <a:schemeClr val="accent1"/>
+          </a:fillRef>
+          <a:effectRef idx="0">
+            <a:schemeClr val="accent1"/>
+          </a:effectRef>
+          <a:fontRef idx="minor">
+            <a:schemeClr val="lt1"/>
+          </a:fontRef>
+        </p:style>
+        <p:txBody>
+          <a:bodyPr rtlCol="0" anchor="ctr"/>
+          <a:lstStyle/>
+          <a:p>
+            <a:pPr algn="ctr"/>
+            <a:endParaRPr lang="en-US">
+              <a:latin typeface="Times New Roman" panose="02020603050405020304" pitchFamily="18" charset="0"/>
+              <a:cs typeface="Times New Roman" panose="02020603050405020304" pitchFamily="18" charset="0"/>
+            </a:endParaRPr>
+          </a:p>
+        </p:txBody>
+      </p:sp>
+      <p:cxnSp>
+        <p:nvCxnSpPr>
+          <p:cNvPr id="162" name="Straight Connector 161">
+            <a:extLst>
+              <a:ext uri="{FF2B5EF4-FFF2-40B4-BE49-F238E27FC236}">
+                <a16:creationId xmlns:a16="http://schemas.microsoft.com/office/drawing/2014/main" id="{ECB239A3-DE76-13DC-8851-DCF8FEDB19A6}"/>
+              </a:ext>
+            </a:extLst>
+          </p:cNvPr>
+          <p:cNvCxnSpPr>
+            <a:cxnSpLocks/>
+          </p:cNvCxnSpPr>
+          <p:nvPr/>
+        </p:nvCxnSpPr>
+        <p:spPr>
+          <a:xfrm>
+            <a:off x="4487995" y="3178018"/>
+            <a:ext cx="0" cy="2321264"/>
+          </a:xfrm>
+          <a:prstGeom prst="line">
+            <a:avLst/>
+          </a:prstGeom>
+          <a:ln w="28575">
+            <a:solidFill>
+              <a:schemeClr val="tx1"/>
+            </a:solidFill>
+            <a:headEnd type="arrow" w="med" len="med"/>
+            <a:tailEnd type="arrow" w="med" len="med"/>
+          </a:ln>
+        </p:spPr>
+        <p:style>
+          <a:lnRef idx="1">
+            <a:schemeClr val="accent1"/>
+          </a:lnRef>
+          <a:fillRef idx="0">
+            <a:schemeClr val="accent1"/>
+          </a:fillRef>
+          <a:effectRef idx="0">
+            <a:schemeClr val="accent1"/>
+          </a:effectRef>
+          <a:fontRef idx="minor">
+            <a:schemeClr val="tx1"/>
+          </a:fontRef>
+        </p:style>
+      </p:cxnSp>
+      <mc:AlternateContent xmlns:mc="http://schemas.openxmlformats.org/markup-compatibility/2006">
+        <mc:Choice xmlns:a14="http://schemas.microsoft.com/office/drawing/2010/main" Requires="a14">
+          <p:sp>
+            <p:nvSpPr>
+              <p:cNvPr id="166" name="TextBox 165">
+                <a:extLst>
+                  <a:ext uri="{FF2B5EF4-FFF2-40B4-BE49-F238E27FC236}">
+                    <a16:creationId xmlns:a16="http://schemas.microsoft.com/office/drawing/2014/main" id="{F85DD93C-D6DE-140B-DF4C-1EF025217E1D}"/>
+                  </a:ext>
+                </a:extLst>
+              </p:cNvPr>
+              <p:cNvSpPr txBox="1"/>
+              <p:nvPr/>
+            </p:nvSpPr>
+            <p:spPr>
+              <a:xfrm>
+                <a:off x="4142927" y="4114152"/>
+                <a:ext cx="678006" cy="369332"/>
+              </a:xfrm>
+              <a:prstGeom prst="rect">
+                <a:avLst/>
+              </a:prstGeom>
+              <a:solidFill>
+                <a:schemeClr val="bg1"/>
+              </a:solidFill>
+            </p:spPr>
+            <p:txBody>
+              <a:bodyPr wrap="none" rtlCol="0">
+                <a:spAutoFit/>
+              </a:bodyPr>
+              <a:lstStyle/>
+              <a:p>
+                <a14:m>
+                  <m:oMathPara xmlns:m="http://schemas.openxmlformats.org/officeDocument/2006/math">
+                    <m:oMathParaPr>
+                      <m:jc m:val="centerGroup"/>
+                    </m:oMathParaPr>
+                    <m:oMath xmlns:m="http://schemas.openxmlformats.org/officeDocument/2006/math">
+                      <m:sSub>
+                        <m:sSubPr>
+                          <m:ctrlPr>
+                            <a:rPr lang="en-US" i="1" smtClean="0">
+                              <a:latin typeface="Cambria Math" panose="02040503050406030204" pitchFamily="18" charset="0"/>
+                            </a:rPr>
+                          </m:ctrlPr>
+                        </m:sSubPr>
+                        <m:e>
+                          <m:r>
+                            <a:rPr lang="en-US" b="0" i="1" smtClean="0">
+                              <a:latin typeface="Cambria Math" panose="02040503050406030204" pitchFamily="18" charset="0"/>
+                            </a:rPr>
+                            <m:t>h</m:t>
+                          </m:r>
+                        </m:e>
+                        <m:sub>
+                          <m:r>
+                            <a:rPr lang="en-US" b="0" i="1" smtClean="0">
+                              <a:latin typeface="Cambria Math" panose="02040503050406030204" pitchFamily="18" charset="0"/>
+                            </a:rPr>
+                            <m:t>𝑤𝑚</m:t>
+                          </m:r>
+                        </m:sub>
+                      </m:sSub>
+                    </m:oMath>
+                  </m:oMathPara>
+                </a14:m>
+                <a:endParaRPr lang="en-US" dirty="0">
+                  <a:latin typeface="Times New Roman" panose="02020603050405020304" pitchFamily="18" charset="0"/>
+                  <a:cs typeface="Times New Roman" panose="02020603050405020304" pitchFamily="18" charset="0"/>
+                </a:endParaRPr>
+              </a:p>
+            </p:txBody>
+          </p:sp>
+        </mc:Choice>
+        <mc:Fallback>
+          <p:sp>
+            <p:nvSpPr>
+              <p:cNvPr id="166" name="TextBox 165">
+                <a:extLst>
+                  <a:ext uri="{FF2B5EF4-FFF2-40B4-BE49-F238E27FC236}">
+                    <a16:creationId xmlns:a16="http://schemas.microsoft.com/office/drawing/2014/main" id="{F85DD93C-D6DE-140B-DF4C-1EF025217E1D}"/>
+                  </a:ext>
+                </a:extLst>
+              </p:cNvPr>
+              <p:cNvSpPr txBox="1">
+                <a:spLocks noRot="1" noChangeAspect="1" noMove="1" noResize="1" noEditPoints="1" noAdjustHandles="1" noChangeArrowheads="1" noChangeShapeType="1" noTextEdit="1"/>
+              </p:cNvSpPr>
+              <p:nvPr/>
+            </p:nvSpPr>
+            <p:spPr>
+              <a:xfrm>
+                <a:off x="4142927" y="4114152"/>
+                <a:ext cx="678006" cy="369332"/>
+              </a:xfrm>
+              <a:prstGeom prst="rect">
+                <a:avLst/>
+              </a:prstGeom>
+              <a:blipFill>
+                <a:blip r:embed="rId3"/>
+                <a:stretch>
+                  <a:fillRect/>
+                </a:stretch>
+              </a:blipFill>
+            </p:spPr>
+            <p:txBody>
+              <a:bodyPr/>
+              <a:lstStyle/>
+              <a:p>
+                <a:r>
+                  <a:rPr lang="en-US">
+                    <a:noFill/>
+                  </a:rPr>
+                  <a:t> </a:t>
+                </a:r>
+              </a:p>
+            </p:txBody>
+          </p:sp>
+        </mc:Fallback>
+      </mc:AlternateContent>
+      <p:sp>
+        <p:nvSpPr>
+          <p:cNvPr id="178" name="TextBox 177">
+            <a:extLst>
+              <a:ext uri="{FF2B5EF4-FFF2-40B4-BE49-F238E27FC236}">
+                <a16:creationId xmlns:a16="http://schemas.microsoft.com/office/drawing/2014/main" id="{ECDF5F39-B21E-27AF-470F-5669B8313D77}"/>
+              </a:ext>
+            </a:extLst>
+          </p:cNvPr>
+          <p:cNvSpPr txBox="1"/>
+          <p:nvPr/>
+        </p:nvSpPr>
+        <p:spPr>
+          <a:xfrm>
+            <a:off x="3324447" y="5077419"/>
+            <a:ext cx="668745" cy="369332"/>
+          </a:xfrm>
+          <a:prstGeom prst="rect">
+            <a:avLst/>
+          </a:prstGeom>
+          <a:solidFill>
+            <a:schemeClr val="bg1"/>
+          </a:solidFill>
+        </p:spPr>
+        <p:txBody>
+          <a:bodyPr wrap="square" rtlCol="0">
+            <a:spAutoFit/>
+          </a:bodyPr>
+          <a:lstStyle/>
+          <a:p>
+            <a:r>
+              <a:rPr lang="en-US" dirty="0">
+                <a:latin typeface="Times New Roman" panose="02020603050405020304" pitchFamily="18" charset="0"/>
+                <a:cs typeface="Times New Roman" panose="02020603050405020304" pitchFamily="18" charset="0"/>
+              </a:rPr>
+              <a:t>Wall</a:t>
+            </a:r>
+          </a:p>
+        </p:txBody>
+      </p:sp>
+      <p:sp>
+        <p:nvSpPr>
+          <p:cNvPr id="179" name="TextBox 178">
+            <a:extLst>
+              <a:ext uri="{FF2B5EF4-FFF2-40B4-BE49-F238E27FC236}">
+                <a16:creationId xmlns:a16="http://schemas.microsoft.com/office/drawing/2014/main" id="{C95EB3C2-0E77-31DB-1DEA-E692E7040585}"/>
+              </a:ext>
+            </a:extLst>
+          </p:cNvPr>
+          <p:cNvSpPr txBox="1"/>
+          <p:nvPr/>
+        </p:nvSpPr>
+        <p:spPr>
+          <a:xfrm>
+            <a:off x="3300172" y="2336608"/>
+            <a:ext cx="1171067" cy="369332"/>
+          </a:xfrm>
+          <a:prstGeom prst="rect">
+            <a:avLst/>
+          </a:prstGeom>
+          <a:solidFill>
+            <a:schemeClr val="bg1"/>
+          </a:solidFill>
+        </p:spPr>
+        <p:txBody>
+          <a:bodyPr wrap="square" rtlCol="0">
+            <a:spAutoFit/>
+          </a:bodyPr>
+          <a:lstStyle/>
+          <a:p>
+            <a:r>
+              <a:rPr lang="en-US" dirty="0">
+                <a:latin typeface="Times New Roman" panose="02020603050405020304" pitchFamily="18" charset="0"/>
+                <a:cs typeface="Times New Roman" panose="02020603050405020304" pitchFamily="18" charset="0"/>
+              </a:rPr>
+              <a:t>LES grid</a:t>
+            </a:r>
+          </a:p>
+        </p:txBody>
+      </p:sp>
+      <mc:AlternateContent xmlns:mc="http://schemas.openxmlformats.org/markup-compatibility/2006">
+        <mc:Choice xmlns:a14="http://schemas.microsoft.com/office/drawing/2010/main" Requires="a14">
+          <p:sp>
+            <p:nvSpPr>
+              <p:cNvPr id="180" name="TextBox 179">
+                <a:extLst>
+                  <a:ext uri="{FF2B5EF4-FFF2-40B4-BE49-F238E27FC236}">
+                    <a16:creationId xmlns:a16="http://schemas.microsoft.com/office/drawing/2014/main" id="{1FB2C1AA-F96E-4C63-0787-1887F9F8FBC5}"/>
+                  </a:ext>
+                </a:extLst>
+              </p:cNvPr>
+              <p:cNvSpPr txBox="1"/>
+              <p:nvPr/>
+            </p:nvSpPr>
+            <p:spPr>
+              <a:xfrm>
+                <a:off x="5114502" y="2440510"/>
+                <a:ext cx="668745" cy="369332"/>
+              </a:xfrm>
+              <a:prstGeom prst="rect">
+                <a:avLst/>
+              </a:prstGeom>
+              <a:solidFill>
+                <a:schemeClr val="bg1"/>
+              </a:solidFill>
+            </p:spPr>
+            <p:txBody>
+              <a:bodyPr wrap="square" rtlCol="0">
+                <a:spAutoFit/>
+              </a:bodyPr>
+              <a:lstStyle/>
+              <a:p>
+                <a14:m>
+                  <m:oMathPara xmlns:m="http://schemas.openxmlformats.org/officeDocument/2006/math">
+                    <m:oMathParaPr>
+                      <m:jc m:val="centerGroup"/>
+                    </m:oMathParaPr>
+                    <m:oMath xmlns:m="http://schemas.openxmlformats.org/officeDocument/2006/math">
+                      <m:sSub>
+                        <m:sSubPr>
+                          <m:ctrlPr>
+                            <a:rPr lang="en-US" i="1" smtClean="0">
+                              <a:latin typeface="Cambria Math" panose="02040503050406030204" pitchFamily="18" charset="0"/>
+                            </a:rPr>
+                          </m:ctrlPr>
+                        </m:sSubPr>
+                        <m:e>
+                          <m:r>
+                            <a:rPr lang="en-US" b="0" i="1" smtClean="0">
+                              <a:latin typeface="Cambria Math" panose="02040503050406030204" pitchFamily="18" charset="0"/>
+                            </a:rPr>
+                            <m:t>𝑢</m:t>
+                          </m:r>
+                        </m:e>
+                        <m:sub>
+                          <m:r>
+                            <a:rPr lang="en-US" b="0" i="1" smtClean="0">
+                              <a:latin typeface="Cambria Math" panose="02040503050406030204" pitchFamily="18" charset="0"/>
+                            </a:rPr>
+                            <m:t>2</m:t>
+                          </m:r>
+                        </m:sub>
+                      </m:sSub>
+                      <m:r>
+                        <a:rPr lang="en-US" b="0" i="1" smtClean="0">
+                          <a:latin typeface="Cambria Math" panose="02040503050406030204" pitchFamily="18" charset="0"/>
+                        </a:rPr>
+                        <m:t>,</m:t>
+                      </m:r>
+                      <m:sSub>
+                        <m:sSubPr>
+                          <m:ctrlPr>
+                            <a:rPr lang="en-US" i="1">
+                              <a:latin typeface="Cambria Math" panose="02040503050406030204" pitchFamily="18" charset="0"/>
+                            </a:rPr>
+                          </m:ctrlPr>
+                        </m:sSubPr>
+                        <m:e>
+                          <m:r>
+                            <a:rPr lang="en-US" b="0" i="1" smtClean="0">
+                              <a:latin typeface="Cambria Math" panose="02040503050406030204" pitchFamily="18" charset="0"/>
+                            </a:rPr>
+                            <m:t>𝑣</m:t>
+                          </m:r>
+                        </m:e>
+                        <m:sub>
+                          <m:r>
+                            <a:rPr lang="en-US" i="1">
+                              <a:latin typeface="Cambria Math" panose="02040503050406030204" pitchFamily="18" charset="0"/>
+                            </a:rPr>
+                            <m:t>2</m:t>
+                          </m:r>
+                        </m:sub>
+                      </m:sSub>
+                    </m:oMath>
+                  </m:oMathPara>
+                </a14:m>
+                <a:endParaRPr lang="en-US" dirty="0">
+                  <a:latin typeface="Times New Roman" panose="02020603050405020304" pitchFamily="18" charset="0"/>
+                  <a:cs typeface="Times New Roman" panose="02020603050405020304" pitchFamily="18" charset="0"/>
+                </a:endParaRPr>
+              </a:p>
+            </p:txBody>
+          </p:sp>
+        </mc:Choice>
+        <mc:Fallback>
+          <p:sp>
+            <p:nvSpPr>
+              <p:cNvPr id="180" name="TextBox 179">
+                <a:extLst>
+                  <a:ext uri="{FF2B5EF4-FFF2-40B4-BE49-F238E27FC236}">
+                    <a16:creationId xmlns:a16="http://schemas.microsoft.com/office/drawing/2014/main" id="{1FB2C1AA-F96E-4C63-0787-1887F9F8FBC5}"/>
+                  </a:ext>
+                </a:extLst>
+              </p:cNvPr>
+              <p:cNvSpPr txBox="1">
+                <a:spLocks noRot="1" noChangeAspect="1" noMove="1" noResize="1" noEditPoints="1" noAdjustHandles="1" noChangeArrowheads="1" noChangeShapeType="1" noTextEdit="1"/>
+              </p:cNvSpPr>
+              <p:nvPr/>
+            </p:nvSpPr>
+            <p:spPr>
+              <a:xfrm>
+                <a:off x="5114502" y="2440510"/>
+                <a:ext cx="668745" cy="369332"/>
+              </a:xfrm>
+              <a:prstGeom prst="rect">
+                <a:avLst/>
+              </a:prstGeom>
+              <a:blipFill>
+                <a:blip r:embed="rId4"/>
+                <a:stretch>
+                  <a:fillRect r="-3636"/>
+                </a:stretch>
+              </a:blipFill>
+            </p:spPr>
+            <p:txBody>
+              <a:bodyPr/>
+              <a:lstStyle/>
+              <a:p>
+                <a:r>
+                  <a:rPr lang="en-US">
+                    <a:noFill/>
+                  </a:rPr>
+                  <a:t> </a:t>
+                </a:r>
+              </a:p>
+            </p:txBody>
+          </p:sp>
+        </mc:Fallback>
+      </mc:AlternateContent>
+      <mc:AlternateContent xmlns:mc="http://schemas.openxmlformats.org/markup-compatibility/2006">
+        <mc:Choice xmlns:a14="http://schemas.microsoft.com/office/drawing/2010/main" Requires="a14">
+          <p:sp>
+            <p:nvSpPr>
+              <p:cNvPr id="181" name="TextBox 180">
+                <a:extLst>
+                  <a:ext uri="{FF2B5EF4-FFF2-40B4-BE49-F238E27FC236}">
+                    <a16:creationId xmlns:a16="http://schemas.microsoft.com/office/drawing/2014/main" id="{EC8950C9-E4FD-003E-E169-68123738764A}"/>
+                  </a:ext>
+                </a:extLst>
+              </p:cNvPr>
+              <p:cNvSpPr txBox="1"/>
+              <p:nvPr/>
+            </p:nvSpPr>
+            <p:spPr>
+              <a:xfrm>
+                <a:off x="5137648" y="3288365"/>
+                <a:ext cx="603862" cy="369332"/>
+              </a:xfrm>
+              <a:prstGeom prst="rect">
+                <a:avLst/>
+              </a:prstGeom>
+              <a:solidFill>
+                <a:schemeClr val="bg1"/>
+              </a:solidFill>
+            </p:spPr>
+            <p:txBody>
+              <a:bodyPr wrap="square" rtlCol="0">
+                <a:spAutoFit/>
+              </a:bodyPr>
+              <a:lstStyle/>
+              <a:p>
+                <a14:m>
+                  <m:oMathPara xmlns:m="http://schemas.openxmlformats.org/officeDocument/2006/math">
+                    <m:oMathParaPr>
+                      <m:jc m:val="centerGroup"/>
+                    </m:oMathParaPr>
+                    <m:oMath xmlns:m="http://schemas.openxmlformats.org/officeDocument/2006/math">
+                      <m:sSub>
+                        <m:sSubPr>
+                          <m:ctrlPr>
+                            <a:rPr lang="en-US" i="1" smtClean="0">
+                              <a:latin typeface="Cambria Math" panose="02040503050406030204" pitchFamily="18" charset="0"/>
+                            </a:rPr>
+                          </m:ctrlPr>
+                        </m:sSubPr>
+                        <m:e>
+                          <m:r>
+                            <a:rPr lang="en-US" b="0" i="1" smtClean="0">
+                              <a:latin typeface="Cambria Math" panose="02040503050406030204" pitchFamily="18" charset="0"/>
+                            </a:rPr>
+                            <m:t>𝑢</m:t>
+                          </m:r>
+                        </m:e>
+                        <m:sub>
+                          <m:r>
+                            <a:rPr lang="en-US" b="0" i="1" smtClean="0">
+                              <a:latin typeface="Cambria Math" panose="02040503050406030204" pitchFamily="18" charset="0"/>
+                            </a:rPr>
+                            <m:t>1</m:t>
+                          </m:r>
+                        </m:sub>
+                      </m:sSub>
+                      <m:r>
+                        <a:rPr lang="en-US" b="0" i="1" smtClean="0">
+                          <a:latin typeface="Cambria Math" panose="02040503050406030204" pitchFamily="18" charset="0"/>
+                        </a:rPr>
+                        <m:t>,</m:t>
+                      </m:r>
+                      <m:sSub>
+                        <m:sSubPr>
+                          <m:ctrlPr>
+                            <a:rPr lang="en-US" i="1">
+                              <a:latin typeface="Cambria Math" panose="02040503050406030204" pitchFamily="18" charset="0"/>
+                            </a:rPr>
+                          </m:ctrlPr>
+                        </m:sSubPr>
+                        <m:e>
+                          <m:r>
+                            <a:rPr lang="en-US" b="0" i="1" smtClean="0">
+                              <a:latin typeface="Cambria Math" panose="02040503050406030204" pitchFamily="18" charset="0"/>
+                            </a:rPr>
+                            <m:t>𝑣</m:t>
+                          </m:r>
+                        </m:e>
+                        <m:sub>
+                          <m:r>
+                            <a:rPr lang="en-US" b="0" i="1" smtClean="0">
+                              <a:latin typeface="Cambria Math" panose="02040503050406030204" pitchFamily="18" charset="0"/>
+                            </a:rPr>
+                            <m:t>1</m:t>
+                          </m:r>
+                        </m:sub>
+                      </m:sSub>
+                    </m:oMath>
+                  </m:oMathPara>
+                </a14:m>
+                <a:endParaRPr lang="en-US" dirty="0">
+                  <a:latin typeface="Times New Roman" panose="02020603050405020304" pitchFamily="18" charset="0"/>
+                  <a:cs typeface="Times New Roman" panose="02020603050405020304" pitchFamily="18" charset="0"/>
+                </a:endParaRPr>
+              </a:p>
+            </p:txBody>
+          </p:sp>
+        </mc:Choice>
+        <mc:Fallback>
+          <p:sp>
+            <p:nvSpPr>
+              <p:cNvPr id="181" name="TextBox 180">
+                <a:extLst>
+                  <a:ext uri="{FF2B5EF4-FFF2-40B4-BE49-F238E27FC236}">
+                    <a16:creationId xmlns:a16="http://schemas.microsoft.com/office/drawing/2014/main" id="{EC8950C9-E4FD-003E-E169-68123738764A}"/>
+                  </a:ext>
+                </a:extLst>
+              </p:cNvPr>
+              <p:cNvSpPr txBox="1">
+                <a:spLocks noRot="1" noChangeAspect="1" noMove="1" noResize="1" noEditPoints="1" noAdjustHandles="1" noChangeArrowheads="1" noChangeShapeType="1" noTextEdit="1"/>
+              </p:cNvSpPr>
+              <p:nvPr/>
+            </p:nvSpPr>
+            <p:spPr>
+              <a:xfrm>
+                <a:off x="5137648" y="3288365"/>
+                <a:ext cx="603862" cy="369332"/>
+              </a:xfrm>
+              <a:prstGeom prst="rect">
+                <a:avLst/>
+              </a:prstGeom>
+              <a:blipFill>
+                <a:blip r:embed="rId5"/>
+                <a:stretch>
+                  <a:fillRect r="-13131"/>
+                </a:stretch>
+              </a:blipFill>
+            </p:spPr>
+            <p:txBody>
+              <a:bodyPr/>
+              <a:lstStyle/>
+              <a:p>
+                <a:r>
+                  <a:rPr lang="en-US">
+                    <a:noFill/>
+                  </a:rPr>
+                  <a:t> </a:t>
+                </a:r>
+              </a:p>
+            </p:txBody>
+          </p:sp>
+        </mc:Fallback>
+      </mc:AlternateContent>
+      <p:cxnSp>
+        <p:nvCxnSpPr>
+          <p:cNvPr id="183" name="Straight Connector 182">
+            <a:extLst>
+              <a:ext uri="{FF2B5EF4-FFF2-40B4-BE49-F238E27FC236}">
+                <a16:creationId xmlns:a16="http://schemas.microsoft.com/office/drawing/2014/main" id="{E1F72400-E557-8E13-91BD-FC3474C86854}"/>
+              </a:ext>
+            </a:extLst>
+          </p:cNvPr>
+          <p:cNvCxnSpPr>
+            <a:cxnSpLocks/>
+          </p:cNvCxnSpPr>
+          <p:nvPr/>
+        </p:nvCxnSpPr>
+        <p:spPr>
+          <a:xfrm>
+            <a:off x="7593326" y="5518901"/>
+            <a:ext cx="2609007" cy="0"/>
+          </a:xfrm>
+          <a:prstGeom prst="line">
+            <a:avLst/>
+          </a:prstGeom>
+          <a:ln w="12700">
+            <a:headEnd type="none" w="med" len="med"/>
+            <a:tailEnd type="arrow" w="med" len="med"/>
+          </a:ln>
+        </p:spPr>
+        <p:style>
+          <a:lnRef idx="1">
+            <a:schemeClr val="accent1"/>
+          </a:lnRef>
+          <a:fillRef idx="0">
+            <a:schemeClr val="accent1"/>
+          </a:fillRef>
+          <a:effectRef idx="0">
+            <a:schemeClr val="accent1"/>
+          </a:effectRef>
+          <a:fontRef idx="minor">
+            <a:schemeClr val="tx1"/>
+          </a:fontRef>
+        </p:style>
+      </p:cxnSp>
+      <p:cxnSp>
+        <p:nvCxnSpPr>
+          <p:cNvPr id="186" name="Straight Connector 185">
+            <a:extLst>
+              <a:ext uri="{FF2B5EF4-FFF2-40B4-BE49-F238E27FC236}">
+                <a16:creationId xmlns:a16="http://schemas.microsoft.com/office/drawing/2014/main" id="{ED117C9F-7FC2-5A24-E2E2-FCB9A1CC1AD7}"/>
+              </a:ext>
+            </a:extLst>
+          </p:cNvPr>
+          <p:cNvCxnSpPr>
+            <a:cxnSpLocks/>
+          </p:cNvCxnSpPr>
+          <p:nvPr/>
+        </p:nvCxnSpPr>
+        <p:spPr>
+          <a:xfrm flipV="1">
+            <a:off x="3252144" y="1545149"/>
+            <a:ext cx="0" cy="698431"/>
+          </a:xfrm>
+          <a:prstGeom prst="line">
+            <a:avLst/>
+          </a:prstGeom>
+          <a:ln w="12700">
+            <a:headEnd type="none" w="med" len="med"/>
+            <a:tailEnd type="arrow" w="med" len="med"/>
+          </a:ln>
+        </p:spPr>
+        <p:style>
+          <a:lnRef idx="1">
+            <a:schemeClr val="accent1"/>
+          </a:lnRef>
+          <a:fillRef idx="0">
+            <a:schemeClr val="accent1"/>
+          </a:fillRef>
+          <a:effectRef idx="0">
+            <a:schemeClr val="accent1"/>
+          </a:effectRef>
+          <a:fontRef idx="minor">
+            <a:schemeClr val="tx1"/>
+          </a:fontRef>
+        </p:style>
+      </p:cxnSp>
+      <mc:AlternateContent xmlns:mc="http://schemas.openxmlformats.org/markup-compatibility/2006">
+        <mc:Choice xmlns:a14="http://schemas.microsoft.com/office/drawing/2010/main" Requires="a14">
+          <p:sp>
+            <p:nvSpPr>
+              <p:cNvPr id="193" name="TextBox 192">
+                <a:extLst>
+                  <a:ext uri="{FF2B5EF4-FFF2-40B4-BE49-F238E27FC236}">
+                    <a16:creationId xmlns:a16="http://schemas.microsoft.com/office/drawing/2014/main" id="{87DDE2A5-28DC-4B0F-073B-20AD920B9368}"/>
+                  </a:ext>
+                </a:extLst>
+              </p:cNvPr>
+              <p:cNvSpPr txBox="1"/>
+              <p:nvPr/>
+            </p:nvSpPr>
+            <p:spPr>
+              <a:xfrm>
+                <a:off x="9725690" y="5109840"/>
+                <a:ext cx="471388" cy="369332"/>
+              </a:xfrm>
+              <a:prstGeom prst="rect">
+                <a:avLst/>
+              </a:prstGeom>
+              <a:solidFill>
+                <a:schemeClr val="bg1"/>
+              </a:solidFill>
+            </p:spPr>
+            <p:txBody>
+              <a:bodyPr wrap="square" rtlCol="0">
+                <a:spAutoFit/>
+              </a:bodyPr>
+              <a:lstStyle/>
+              <a:p>
+                <a14:m>
+                  <m:oMathPara xmlns:m="http://schemas.openxmlformats.org/officeDocument/2006/math">
+                    <m:oMathParaPr>
+                      <m:jc m:val="centerGroup"/>
+                    </m:oMathParaPr>
+                    <m:oMath xmlns:m="http://schemas.openxmlformats.org/officeDocument/2006/math">
+                      <m:r>
+                        <a:rPr lang="en-US" b="0" i="1" smtClean="0">
+                          <a:latin typeface="Cambria Math" panose="02040503050406030204" pitchFamily="18" charset="0"/>
+                        </a:rPr>
+                        <m:t>𝑥</m:t>
+                      </m:r>
+                    </m:oMath>
+                  </m:oMathPara>
+                </a14:m>
+                <a:endParaRPr lang="en-US" dirty="0">
+                  <a:latin typeface="Times New Roman" panose="02020603050405020304" pitchFamily="18" charset="0"/>
+                  <a:cs typeface="Times New Roman" panose="02020603050405020304" pitchFamily="18" charset="0"/>
+                </a:endParaRPr>
+              </a:p>
+            </p:txBody>
+          </p:sp>
+        </mc:Choice>
+        <mc:Fallback>
+          <p:sp>
+            <p:nvSpPr>
+              <p:cNvPr id="193" name="TextBox 192">
+                <a:extLst>
+                  <a:ext uri="{FF2B5EF4-FFF2-40B4-BE49-F238E27FC236}">
+                    <a16:creationId xmlns:a16="http://schemas.microsoft.com/office/drawing/2014/main" id="{87DDE2A5-28DC-4B0F-073B-20AD920B9368}"/>
+                  </a:ext>
+                </a:extLst>
+              </p:cNvPr>
+              <p:cNvSpPr txBox="1">
+                <a:spLocks noRot="1" noChangeAspect="1" noMove="1" noResize="1" noEditPoints="1" noAdjustHandles="1" noChangeArrowheads="1" noChangeShapeType="1" noTextEdit="1"/>
+              </p:cNvSpPr>
+              <p:nvPr/>
+            </p:nvSpPr>
+            <p:spPr>
+              <a:xfrm>
+                <a:off x="9725690" y="5109840"/>
+                <a:ext cx="471388" cy="369332"/>
+              </a:xfrm>
+              <a:prstGeom prst="rect">
+                <a:avLst/>
+              </a:prstGeom>
+              <a:blipFill>
+                <a:blip r:embed="rId6"/>
+                <a:stretch>
+                  <a:fillRect/>
+                </a:stretch>
+              </a:blipFill>
+            </p:spPr>
+            <p:txBody>
+              <a:bodyPr/>
+              <a:lstStyle/>
+              <a:p>
+                <a:r>
+                  <a:rPr lang="en-US">
+                    <a:noFill/>
+                  </a:rPr>
+                  <a:t> </a:t>
+                </a:r>
+              </a:p>
+            </p:txBody>
+          </p:sp>
+        </mc:Fallback>
+      </mc:AlternateContent>
+      <mc:AlternateContent xmlns:mc="http://schemas.openxmlformats.org/markup-compatibility/2006">
+        <mc:Choice xmlns:a14="http://schemas.microsoft.com/office/drawing/2010/main" Requires="a14">
+          <p:sp>
+            <p:nvSpPr>
+              <p:cNvPr id="195" name="TextBox 194">
+                <a:extLst>
+                  <a:ext uri="{FF2B5EF4-FFF2-40B4-BE49-F238E27FC236}">
+                    <a16:creationId xmlns:a16="http://schemas.microsoft.com/office/drawing/2014/main" id="{C4C3C174-9E26-B365-8B24-842338EF4044}"/>
+                  </a:ext>
+                </a:extLst>
+              </p:cNvPr>
+              <p:cNvSpPr txBox="1"/>
+              <p:nvPr/>
+            </p:nvSpPr>
+            <p:spPr>
+              <a:xfrm>
+                <a:off x="3271307" y="1675018"/>
+                <a:ext cx="417361" cy="369332"/>
+              </a:xfrm>
+              <a:prstGeom prst="rect">
+                <a:avLst/>
+              </a:prstGeom>
+              <a:solidFill>
+                <a:schemeClr val="bg1"/>
+              </a:solidFill>
+            </p:spPr>
+            <p:txBody>
+              <a:bodyPr wrap="square" rtlCol="0">
+                <a:spAutoFit/>
+              </a:bodyPr>
+              <a:lstStyle/>
+              <a:p>
+                <a14:m>
+                  <m:oMathPara xmlns:m="http://schemas.openxmlformats.org/officeDocument/2006/math">
+                    <m:oMathParaPr>
+                      <m:jc m:val="centerGroup"/>
+                    </m:oMathParaPr>
+                    <m:oMath xmlns:m="http://schemas.openxmlformats.org/officeDocument/2006/math">
+                      <m:r>
+                        <a:rPr lang="en-US" b="0" i="1" smtClean="0">
+                          <a:latin typeface="Cambria Math" panose="02040503050406030204" pitchFamily="18" charset="0"/>
+                        </a:rPr>
+                        <m:t>𝑧</m:t>
+                      </m:r>
+                    </m:oMath>
+                  </m:oMathPara>
+                </a14:m>
+                <a:endParaRPr lang="en-US" dirty="0">
+                  <a:latin typeface="Times New Roman" panose="02020603050405020304" pitchFamily="18" charset="0"/>
+                  <a:cs typeface="Times New Roman" panose="02020603050405020304" pitchFamily="18" charset="0"/>
+                </a:endParaRPr>
+              </a:p>
+            </p:txBody>
+          </p:sp>
+        </mc:Choice>
+        <mc:Fallback>
+          <p:sp>
+            <p:nvSpPr>
+              <p:cNvPr id="195" name="TextBox 194">
+                <a:extLst>
+                  <a:ext uri="{FF2B5EF4-FFF2-40B4-BE49-F238E27FC236}">
+                    <a16:creationId xmlns:a16="http://schemas.microsoft.com/office/drawing/2014/main" id="{C4C3C174-9E26-B365-8B24-842338EF4044}"/>
+                  </a:ext>
+                </a:extLst>
+              </p:cNvPr>
+              <p:cNvSpPr txBox="1">
+                <a:spLocks noRot="1" noChangeAspect="1" noMove="1" noResize="1" noEditPoints="1" noAdjustHandles="1" noChangeArrowheads="1" noChangeShapeType="1" noTextEdit="1"/>
+              </p:cNvSpPr>
+              <p:nvPr/>
+            </p:nvSpPr>
+            <p:spPr>
+              <a:xfrm>
+                <a:off x="3271307" y="1675018"/>
+                <a:ext cx="417361" cy="369332"/>
+              </a:xfrm>
+              <a:prstGeom prst="rect">
+                <a:avLst/>
+              </a:prstGeom>
+              <a:blipFill>
+                <a:blip r:embed="rId7"/>
+                <a:stretch>
+                  <a:fillRect/>
+                </a:stretch>
+              </a:blipFill>
+            </p:spPr>
+            <p:txBody>
+              <a:bodyPr/>
+              <a:lstStyle/>
+              <a:p>
+                <a:r>
+                  <a:rPr lang="en-US">
+                    <a:noFill/>
+                  </a:rPr>
+                  <a:t> </a:t>
+                </a:r>
+              </a:p>
+            </p:txBody>
+          </p:sp>
+        </mc:Fallback>
+      </mc:AlternateContent>
+      <mc:AlternateContent xmlns:mc="http://schemas.openxmlformats.org/markup-compatibility/2006">
+        <mc:Choice xmlns:a14="http://schemas.microsoft.com/office/drawing/2010/main" Requires="a14">
+          <p:sp>
+            <p:nvSpPr>
+              <p:cNvPr id="198" name="TextBox 197">
+                <a:extLst>
+                  <a:ext uri="{FF2B5EF4-FFF2-40B4-BE49-F238E27FC236}">
+                    <a16:creationId xmlns:a16="http://schemas.microsoft.com/office/drawing/2014/main" id="{55D588CC-86DA-E021-B942-AED247FE941E}"/>
+                  </a:ext>
+                </a:extLst>
+              </p:cNvPr>
+              <p:cNvSpPr txBox="1"/>
+              <p:nvPr/>
+            </p:nvSpPr>
+            <p:spPr>
+              <a:xfrm>
+                <a:off x="4318443" y="5633528"/>
+                <a:ext cx="1465157" cy="411010"/>
+              </a:xfrm>
+              <a:prstGeom prst="rect">
+                <a:avLst/>
+              </a:prstGeom>
+              <a:solidFill>
+                <a:schemeClr val="bg1"/>
+              </a:solidFill>
+            </p:spPr>
+            <p:txBody>
+              <a:bodyPr wrap="square" rtlCol="0">
+                <a:spAutoFit/>
+              </a:bodyPr>
+              <a:lstStyle/>
+              <a:p>
+                <a14:m>
+                  <m:oMathPara xmlns:m="http://schemas.openxmlformats.org/officeDocument/2006/math">
+                    <m:oMathParaPr>
+                      <m:jc m:val="centerGroup"/>
+                    </m:oMathParaPr>
+                    <m:oMath xmlns:m="http://schemas.openxmlformats.org/officeDocument/2006/math">
+                      <m:r>
+                        <a:rPr lang="en-US" i="1">
+                          <a:latin typeface="Cambria Math" panose="02040503050406030204" pitchFamily="18" charset="0"/>
+                          <a:ea typeface="Cambria Math" panose="02040503050406030204" pitchFamily="18" charset="0"/>
+                        </a:rPr>
+                        <m:t>𝜏</m:t>
+                      </m:r>
+                      <m:r>
+                        <a:rPr lang="en-US" b="0" i="1" smtClean="0">
+                          <a:latin typeface="Cambria Math" panose="02040503050406030204" pitchFamily="18" charset="0"/>
+                        </a:rPr>
+                        <m:t>=</m:t>
+                      </m:r>
+                      <m:d>
+                        <m:dPr>
+                          <m:ctrlPr>
+                            <a:rPr lang="en-US" b="0" i="1" smtClean="0">
+                              <a:latin typeface="Cambria Math" panose="02040503050406030204" pitchFamily="18" charset="0"/>
+                            </a:rPr>
+                          </m:ctrlPr>
+                        </m:dPr>
+                        <m:e>
+                          <m:sSub>
+                            <m:sSubPr>
+                              <m:ctrlPr>
+                                <a:rPr lang="en-US" i="1">
+                                  <a:latin typeface="Cambria Math" panose="02040503050406030204" pitchFamily="18" charset="0"/>
+                                </a:rPr>
+                              </m:ctrlPr>
+                            </m:sSubPr>
+                            <m:e>
+                              <m:r>
+                                <a:rPr lang="en-US" i="1">
+                                  <a:latin typeface="Cambria Math" panose="02040503050406030204" pitchFamily="18" charset="0"/>
+                                  <a:ea typeface="Cambria Math" panose="02040503050406030204" pitchFamily="18" charset="0"/>
+                                </a:rPr>
+                                <m:t>𝜏</m:t>
+                              </m:r>
+                            </m:e>
+                            <m:sub>
+                              <m:r>
+                                <a:rPr lang="en-US" i="1">
+                                  <a:latin typeface="Cambria Math" panose="02040503050406030204" pitchFamily="18" charset="0"/>
+                                </a:rPr>
+                                <m:t>𝑥</m:t>
+                              </m:r>
+                            </m:sub>
+                          </m:sSub>
+                          <m:r>
+                            <a:rPr lang="en-US" i="1">
+                              <a:latin typeface="Cambria Math" panose="02040503050406030204" pitchFamily="18" charset="0"/>
+                            </a:rPr>
+                            <m:t>,</m:t>
+                          </m:r>
+                          <m:sSub>
+                            <m:sSubPr>
+                              <m:ctrlPr>
+                                <a:rPr lang="en-US" i="1">
+                                  <a:latin typeface="Cambria Math" panose="02040503050406030204" pitchFamily="18" charset="0"/>
+                                </a:rPr>
+                              </m:ctrlPr>
+                            </m:sSubPr>
+                            <m:e>
+                              <m:r>
+                                <a:rPr lang="en-US" i="1">
+                                  <a:latin typeface="Cambria Math" panose="02040503050406030204" pitchFamily="18" charset="0"/>
+                                  <a:ea typeface="Cambria Math" panose="02040503050406030204" pitchFamily="18" charset="0"/>
+                                </a:rPr>
+                                <m:t>𝜏</m:t>
+                              </m:r>
+                            </m:e>
+                            <m:sub>
+                              <m:r>
+                                <a:rPr lang="en-US" i="1">
+                                  <a:latin typeface="Cambria Math" panose="02040503050406030204" pitchFamily="18" charset="0"/>
+                                  <a:ea typeface="Cambria Math" panose="02040503050406030204" pitchFamily="18" charset="0"/>
+                                </a:rPr>
+                                <m:t>𝑦</m:t>
+                              </m:r>
+                            </m:sub>
+                          </m:sSub>
+                        </m:e>
+                      </m:d>
+                    </m:oMath>
+                  </m:oMathPara>
+                </a14:m>
+                <a:endParaRPr lang="en-US" dirty="0">
+                  <a:latin typeface="Times New Roman" panose="02020603050405020304" pitchFamily="18" charset="0"/>
+                  <a:cs typeface="Times New Roman" panose="02020603050405020304" pitchFamily="18" charset="0"/>
+                </a:endParaRPr>
+              </a:p>
+            </p:txBody>
+          </p:sp>
+        </mc:Choice>
+        <mc:Fallback>
+          <p:sp>
+            <p:nvSpPr>
+              <p:cNvPr id="198" name="TextBox 197">
+                <a:extLst>
+                  <a:ext uri="{FF2B5EF4-FFF2-40B4-BE49-F238E27FC236}">
+                    <a16:creationId xmlns:a16="http://schemas.microsoft.com/office/drawing/2014/main" id="{55D588CC-86DA-E021-B942-AED247FE941E}"/>
+                  </a:ext>
+                </a:extLst>
+              </p:cNvPr>
+              <p:cNvSpPr txBox="1">
+                <a:spLocks noRot="1" noChangeAspect="1" noMove="1" noResize="1" noEditPoints="1" noAdjustHandles="1" noChangeArrowheads="1" noChangeShapeType="1" noTextEdit="1"/>
+              </p:cNvSpPr>
+              <p:nvPr/>
+            </p:nvSpPr>
+            <p:spPr>
+              <a:xfrm>
+                <a:off x="4318443" y="5633528"/>
+                <a:ext cx="1465157" cy="411010"/>
+              </a:xfrm>
+              <a:prstGeom prst="rect">
+                <a:avLst/>
+              </a:prstGeom>
+              <a:blipFill>
+                <a:blip r:embed="rId8"/>
+                <a:stretch>
+                  <a:fillRect b="-2941"/>
+                </a:stretch>
+              </a:blipFill>
+            </p:spPr>
+            <p:txBody>
+              <a:bodyPr/>
+              <a:lstStyle/>
+              <a:p>
+                <a:r>
+                  <a:rPr lang="en-US">
+                    <a:noFill/>
+                  </a:rPr>
+                  <a:t> </a:t>
+                </a:r>
+              </a:p>
+            </p:txBody>
+          </p:sp>
+        </mc:Fallback>
+      </mc:AlternateContent>
+      <p:sp>
+        <p:nvSpPr>
+          <p:cNvPr id="199" name="Rectangle 198">
+            <a:extLst>
+              <a:ext uri="{FF2B5EF4-FFF2-40B4-BE49-F238E27FC236}">
+                <a16:creationId xmlns:a16="http://schemas.microsoft.com/office/drawing/2014/main" id="{1E035C56-EDA6-BD04-20C6-195C27BFDC5C}"/>
+              </a:ext>
+            </a:extLst>
+          </p:cNvPr>
+          <p:cNvSpPr/>
+          <p:nvPr/>
+        </p:nvSpPr>
+        <p:spPr>
+          <a:xfrm>
+            <a:off x="7592470" y="2242828"/>
+            <a:ext cx="868101" cy="816728"/>
+          </a:xfrm>
+          <a:prstGeom prst="rect">
+            <a:avLst/>
+          </a:prstGeom>
+          <a:noFill/>
+        </p:spPr>
+        <p:style>
+          <a:lnRef idx="2">
+            <a:schemeClr val="accent1">
+              <a:shade val="50000"/>
+            </a:schemeClr>
+          </a:lnRef>
+          <a:fillRef idx="1">
+            <a:schemeClr val="accent1"/>
+          </a:fillRef>
+          <a:effectRef idx="0">
+            <a:schemeClr val="accent1"/>
+          </a:effectRef>
+          <a:fontRef idx="minor">
+            <a:schemeClr val="lt1"/>
+          </a:fontRef>
+        </p:style>
+        <p:txBody>
+          <a:bodyPr rtlCol="0" anchor="ctr"/>
+          <a:lstStyle/>
+          <a:p>
+            <a:pPr algn="ctr"/>
+            <a:endParaRPr lang="en-US">
+              <a:latin typeface="Times New Roman" panose="02020603050405020304" pitchFamily="18" charset="0"/>
+              <a:cs typeface="Times New Roman" panose="02020603050405020304" pitchFamily="18" charset="0"/>
+            </a:endParaRPr>
+          </a:p>
+        </p:txBody>
+      </p:sp>
+      <p:sp>
+        <p:nvSpPr>
+          <p:cNvPr id="200" name="Rectangle 199">
+            <a:extLst>
+              <a:ext uri="{FF2B5EF4-FFF2-40B4-BE49-F238E27FC236}">
+                <a16:creationId xmlns:a16="http://schemas.microsoft.com/office/drawing/2014/main" id="{1BF59373-9040-0016-341A-D4B186B1CA41}"/>
+              </a:ext>
+            </a:extLst>
+          </p:cNvPr>
+          <p:cNvSpPr/>
+          <p:nvPr/>
+        </p:nvSpPr>
+        <p:spPr>
+          <a:xfrm>
+            <a:off x="7592470" y="3059556"/>
+            <a:ext cx="868101" cy="816728"/>
+          </a:xfrm>
+          <a:prstGeom prst="rect">
+            <a:avLst/>
+          </a:prstGeom>
+          <a:noFill/>
+        </p:spPr>
+        <p:style>
+          <a:lnRef idx="2">
+            <a:schemeClr val="accent1">
+              <a:shade val="50000"/>
+            </a:schemeClr>
+          </a:lnRef>
+          <a:fillRef idx="1">
+            <a:schemeClr val="accent1"/>
+          </a:fillRef>
+          <a:effectRef idx="0">
+            <a:schemeClr val="accent1"/>
+          </a:effectRef>
+          <a:fontRef idx="minor">
+            <a:schemeClr val="lt1"/>
+          </a:fontRef>
+        </p:style>
+        <p:txBody>
+          <a:bodyPr rtlCol="0" anchor="ctr"/>
+          <a:lstStyle/>
+          <a:p>
+            <a:pPr algn="ctr"/>
+            <a:endParaRPr lang="en-US">
+              <a:latin typeface="Times New Roman" panose="02020603050405020304" pitchFamily="18" charset="0"/>
+              <a:cs typeface="Times New Roman" panose="02020603050405020304" pitchFamily="18" charset="0"/>
+            </a:endParaRPr>
+          </a:p>
+        </p:txBody>
+      </p:sp>
+      <p:sp>
+        <p:nvSpPr>
+          <p:cNvPr id="201" name="Rectangle 200">
+            <a:extLst>
+              <a:ext uri="{FF2B5EF4-FFF2-40B4-BE49-F238E27FC236}">
+                <a16:creationId xmlns:a16="http://schemas.microsoft.com/office/drawing/2014/main" id="{643450AA-F940-6DC6-9B4B-96B6D4EB43AB}"/>
+              </a:ext>
+            </a:extLst>
+          </p:cNvPr>
+          <p:cNvSpPr/>
+          <p:nvPr/>
+        </p:nvSpPr>
+        <p:spPr>
+          <a:xfrm>
+            <a:off x="7592470" y="3876284"/>
+            <a:ext cx="868101" cy="816728"/>
+          </a:xfrm>
+          <a:prstGeom prst="rect">
+            <a:avLst/>
+          </a:prstGeom>
+          <a:noFill/>
+        </p:spPr>
+        <p:style>
+          <a:lnRef idx="2">
+            <a:schemeClr val="accent1">
+              <a:shade val="50000"/>
+            </a:schemeClr>
+          </a:lnRef>
+          <a:fillRef idx="1">
+            <a:schemeClr val="accent1"/>
+          </a:fillRef>
+          <a:effectRef idx="0">
+            <a:schemeClr val="accent1"/>
+          </a:effectRef>
+          <a:fontRef idx="minor">
+            <a:schemeClr val="lt1"/>
+          </a:fontRef>
+        </p:style>
+        <p:txBody>
+          <a:bodyPr rtlCol="0" anchor="ctr"/>
+          <a:lstStyle/>
+          <a:p>
+            <a:pPr algn="ctr"/>
+            <a:endParaRPr lang="en-US">
+              <a:latin typeface="Times New Roman" panose="02020603050405020304" pitchFamily="18" charset="0"/>
+              <a:cs typeface="Times New Roman" panose="02020603050405020304" pitchFamily="18" charset="0"/>
+            </a:endParaRPr>
+          </a:p>
+        </p:txBody>
+      </p:sp>
+      <p:sp>
+        <p:nvSpPr>
+          <p:cNvPr id="202" name="Rectangle 201">
+            <a:extLst>
+              <a:ext uri="{FF2B5EF4-FFF2-40B4-BE49-F238E27FC236}">
+                <a16:creationId xmlns:a16="http://schemas.microsoft.com/office/drawing/2014/main" id="{9D181731-4447-69E5-E863-1CA04D035B5C}"/>
+              </a:ext>
+            </a:extLst>
+          </p:cNvPr>
+          <p:cNvSpPr/>
+          <p:nvPr/>
+        </p:nvSpPr>
+        <p:spPr>
+          <a:xfrm>
+            <a:off x="7592470" y="4693012"/>
+            <a:ext cx="868101" cy="816728"/>
+          </a:xfrm>
+          <a:prstGeom prst="rect">
+            <a:avLst/>
+          </a:prstGeom>
+          <a:noFill/>
+        </p:spPr>
+        <p:style>
+          <a:lnRef idx="2">
+            <a:schemeClr val="accent1">
+              <a:shade val="50000"/>
+            </a:schemeClr>
+          </a:lnRef>
+          <a:fillRef idx="1">
+            <a:schemeClr val="accent1"/>
+          </a:fillRef>
+          <a:effectRef idx="0">
+            <a:schemeClr val="accent1"/>
+          </a:effectRef>
+          <a:fontRef idx="minor">
+            <a:schemeClr val="lt1"/>
+          </a:fontRef>
+        </p:style>
+        <p:txBody>
+          <a:bodyPr rtlCol="0" anchor="ctr"/>
+          <a:lstStyle/>
+          <a:p>
+            <a:pPr algn="ctr"/>
+            <a:endParaRPr lang="en-US">
+              <a:latin typeface="Times New Roman" panose="02020603050405020304" pitchFamily="18" charset="0"/>
+              <a:cs typeface="Times New Roman" panose="02020603050405020304" pitchFamily="18" charset="0"/>
+            </a:endParaRPr>
+          </a:p>
+        </p:txBody>
+      </p:sp>
+      <p:sp>
+        <p:nvSpPr>
+          <p:cNvPr id="209" name="Rectangle 208">
+            <a:extLst>
+              <a:ext uri="{FF2B5EF4-FFF2-40B4-BE49-F238E27FC236}">
+                <a16:creationId xmlns:a16="http://schemas.microsoft.com/office/drawing/2014/main" id="{9CE158DC-87D1-08FB-E258-EC3FAECDEF53}"/>
+              </a:ext>
+            </a:extLst>
+          </p:cNvPr>
+          <p:cNvSpPr/>
+          <p:nvPr/>
+        </p:nvSpPr>
+        <p:spPr>
+          <a:xfrm>
+            <a:off x="8456074" y="2243672"/>
+            <a:ext cx="868101" cy="816728"/>
+          </a:xfrm>
+          <a:prstGeom prst="rect">
+            <a:avLst/>
+          </a:prstGeom>
+          <a:noFill/>
+        </p:spPr>
+        <p:style>
+          <a:lnRef idx="2">
+            <a:schemeClr val="accent1">
+              <a:shade val="50000"/>
+            </a:schemeClr>
+          </a:lnRef>
+          <a:fillRef idx="1">
+            <a:schemeClr val="accent1"/>
+          </a:fillRef>
+          <a:effectRef idx="0">
+            <a:schemeClr val="accent1"/>
+          </a:effectRef>
+          <a:fontRef idx="minor">
+            <a:schemeClr val="lt1"/>
+          </a:fontRef>
+        </p:style>
+        <p:txBody>
+          <a:bodyPr rtlCol="0" anchor="ctr"/>
+          <a:lstStyle/>
+          <a:p>
+            <a:pPr algn="ctr"/>
+            <a:endParaRPr lang="en-US">
+              <a:latin typeface="Times New Roman" panose="02020603050405020304" pitchFamily="18" charset="0"/>
+              <a:cs typeface="Times New Roman" panose="02020603050405020304" pitchFamily="18" charset="0"/>
+            </a:endParaRPr>
+          </a:p>
+        </p:txBody>
+      </p:sp>
+      <p:sp>
+        <p:nvSpPr>
+          <p:cNvPr id="210" name="Rectangle 209">
+            <a:extLst>
+              <a:ext uri="{FF2B5EF4-FFF2-40B4-BE49-F238E27FC236}">
+                <a16:creationId xmlns:a16="http://schemas.microsoft.com/office/drawing/2014/main" id="{49DDFECA-A619-0C34-A030-FF42E51193C0}"/>
+              </a:ext>
+            </a:extLst>
+          </p:cNvPr>
+          <p:cNvSpPr/>
+          <p:nvPr/>
+        </p:nvSpPr>
+        <p:spPr>
+          <a:xfrm>
+            <a:off x="8456074" y="3060400"/>
+            <a:ext cx="868101" cy="816728"/>
+          </a:xfrm>
+          <a:prstGeom prst="rect">
+            <a:avLst/>
+          </a:prstGeom>
+          <a:noFill/>
+        </p:spPr>
+        <p:style>
+          <a:lnRef idx="2">
+            <a:schemeClr val="accent1">
+              <a:shade val="50000"/>
+            </a:schemeClr>
+          </a:lnRef>
+          <a:fillRef idx="1">
+            <a:schemeClr val="accent1"/>
+          </a:fillRef>
+          <a:effectRef idx="0">
+            <a:schemeClr val="accent1"/>
+          </a:effectRef>
+          <a:fontRef idx="minor">
+            <a:schemeClr val="lt1"/>
+          </a:fontRef>
+        </p:style>
+        <p:txBody>
+          <a:bodyPr rtlCol="0" anchor="ctr"/>
+          <a:lstStyle/>
+          <a:p>
+            <a:pPr algn="ctr"/>
+            <a:endParaRPr lang="en-US">
+              <a:latin typeface="Times New Roman" panose="02020603050405020304" pitchFamily="18" charset="0"/>
+              <a:cs typeface="Times New Roman" panose="02020603050405020304" pitchFamily="18" charset="0"/>
+            </a:endParaRPr>
+          </a:p>
+        </p:txBody>
+      </p:sp>
+      <p:sp>
+        <p:nvSpPr>
+          <p:cNvPr id="211" name="Rectangle 210">
+            <a:extLst>
+              <a:ext uri="{FF2B5EF4-FFF2-40B4-BE49-F238E27FC236}">
+                <a16:creationId xmlns:a16="http://schemas.microsoft.com/office/drawing/2014/main" id="{D04CD9FB-A504-5366-F7B6-FB5DCD1BCE8C}"/>
+              </a:ext>
+            </a:extLst>
+          </p:cNvPr>
+          <p:cNvSpPr/>
+          <p:nvPr/>
+        </p:nvSpPr>
+        <p:spPr>
+          <a:xfrm>
+            <a:off x="8456074" y="3877128"/>
+            <a:ext cx="868101" cy="816728"/>
+          </a:xfrm>
+          <a:prstGeom prst="rect">
+            <a:avLst/>
+          </a:prstGeom>
+          <a:noFill/>
+        </p:spPr>
+        <p:style>
+          <a:lnRef idx="2">
+            <a:schemeClr val="accent1">
+              <a:shade val="50000"/>
+            </a:schemeClr>
+          </a:lnRef>
+          <a:fillRef idx="1">
+            <a:schemeClr val="accent1"/>
+          </a:fillRef>
+          <a:effectRef idx="0">
+            <a:schemeClr val="accent1"/>
+          </a:effectRef>
+          <a:fontRef idx="minor">
+            <a:schemeClr val="lt1"/>
+          </a:fontRef>
+        </p:style>
+        <p:txBody>
+          <a:bodyPr rtlCol="0" anchor="ctr"/>
+          <a:lstStyle/>
+          <a:p>
+            <a:pPr algn="ctr"/>
+            <a:endParaRPr lang="en-US">
+              <a:latin typeface="Times New Roman" panose="02020603050405020304" pitchFamily="18" charset="0"/>
+              <a:cs typeface="Times New Roman" panose="02020603050405020304" pitchFamily="18" charset="0"/>
+            </a:endParaRPr>
+          </a:p>
+        </p:txBody>
+      </p:sp>
+      <p:sp>
+        <p:nvSpPr>
+          <p:cNvPr id="212" name="Rectangle 211">
+            <a:extLst>
+              <a:ext uri="{FF2B5EF4-FFF2-40B4-BE49-F238E27FC236}">
+                <a16:creationId xmlns:a16="http://schemas.microsoft.com/office/drawing/2014/main" id="{22FFB1E0-ECF8-1AFA-3273-C96C11934E15}"/>
+              </a:ext>
+            </a:extLst>
+          </p:cNvPr>
+          <p:cNvSpPr/>
+          <p:nvPr/>
+        </p:nvSpPr>
+        <p:spPr>
+          <a:xfrm>
+            <a:off x="8456074" y="4693856"/>
+            <a:ext cx="868101" cy="816728"/>
+          </a:xfrm>
+          <a:prstGeom prst="rect">
+            <a:avLst/>
+          </a:prstGeom>
+          <a:noFill/>
+        </p:spPr>
+        <p:style>
+          <a:lnRef idx="2">
+            <a:schemeClr val="accent1">
+              <a:shade val="50000"/>
+            </a:schemeClr>
+          </a:lnRef>
+          <a:fillRef idx="1">
+            <a:schemeClr val="accent1"/>
+          </a:fillRef>
+          <a:effectRef idx="0">
+            <a:schemeClr val="accent1"/>
+          </a:effectRef>
+          <a:fontRef idx="minor">
+            <a:schemeClr val="lt1"/>
+          </a:fontRef>
+        </p:style>
+        <p:txBody>
+          <a:bodyPr rtlCol="0" anchor="ctr"/>
+          <a:lstStyle/>
+          <a:p>
+            <a:pPr algn="ctr"/>
+            <a:endParaRPr lang="en-US">
+              <a:latin typeface="Times New Roman" panose="02020603050405020304" pitchFamily="18" charset="0"/>
+              <a:cs typeface="Times New Roman" panose="02020603050405020304" pitchFamily="18" charset="0"/>
+            </a:endParaRPr>
+          </a:p>
+        </p:txBody>
+      </p:sp>
+      <p:sp>
+        <p:nvSpPr>
+          <p:cNvPr id="213" name="Freeform: Shape 212">
+            <a:extLst>
+              <a:ext uri="{FF2B5EF4-FFF2-40B4-BE49-F238E27FC236}">
+                <a16:creationId xmlns:a16="http://schemas.microsoft.com/office/drawing/2014/main" id="{502104B0-47F9-C74F-CCBC-D6C834009D46}"/>
+              </a:ext>
+            </a:extLst>
+          </p:cNvPr>
+          <p:cNvSpPr/>
+          <p:nvPr/>
+        </p:nvSpPr>
+        <p:spPr>
+          <a:xfrm>
+            <a:off x="4990818" y="2228850"/>
+            <a:ext cx="4333351" cy="3276600"/>
+          </a:xfrm>
+          <a:custGeom>
+            <a:avLst/>
+            <a:gdLst>
+              <a:gd name="connsiteX0" fmla="*/ 0 w 5670550"/>
+              <a:gd name="connsiteY0" fmla="*/ 3276600 h 3276600"/>
+              <a:gd name="connsiteX1" fmla="*/ 2520950 w 5670550"/>
+              <a:gd name="connsiteY1" fmla="*/ 3175000 h 3276600"/>
+              <a:gd name="connsiteX2" fmla="*/ 3930650 w 5670550"/>
+              <a:gd name="connsiteY2" fmla="*/ 2997200 h 3276600"/>
+              <a:gd name="connsiteX3" fmla="*/ 4724400 w 5670550"/>
+              <a:gd name="connsiteY3" fmla="*/ 2393950 h 3276600"/>
+              <a:gd name="connsiteX4" fmla="*/ 5289550 w 5670550"/>
+              <a:gd name="connsiteY4" fmla="*/ 1384300 h 3276600"/>
+              <a:gd name="connsiteX5" fmla="*/ 5670550 w 5670550"/>
+              <a:gd name="connsiteY5" fmla="*/ 0 h 3276600"/>
+              <a:gd name="connsiteX6" fmla="*/ 5670550 w 5670550"/>
+              <a:gd name="connsiteY6" fmla="*/ 0 h 3276600"/>
+            </a:gdLst>
+            <a:ahLst/>
+            <a:cxnLst>
+              <a:cxn ang="0">
+                <a:pos x="connsiteX0" y="connsiteY0"/>
+              </a:cxn>
+              <a:cxn ang="0">
+                <a:pos x="connsiteX1" y="connsiteY1"/>
+              </a:cxn>
+              <a:cxn ang="0">
+                <a:pos x="connsiteX2" y="connsiteY2"/>
+              </a:cxn>
+              <a:cxn ang="0">
+                <a:pos x="connsiteX3" y="connsiteY3"/>
+              </a:cxn>
+              <a:cxn ang="0">
+                <a:pos x="connsiteX4" y="connsiteY4"/>
+              </a:cxn>
+              <a:cxn ang="0">
+                <a:pos x="connsiteX5" y="connsiteY5"/>
+              </a:cxn>
+              <a:cxn ang="0">
+                <a:pos x="connsiteX6" y="connsiteY6"/>
+              </a:cxn>
+            </a:cxnLst>
+            <a:rect l="l" t="t" r="r" b="b"/>
+            <a:pathLst>
+              <a:path w="5670550" h="3276600">
+                <a:moveTo>
+                  <a:pt x="0" y="3276600"/>
+                </a:moveTo>
+                <a:cubicBezTo>
+                  <a:pt x="932921" y="3249083"/>
+                  <a:pt x="1865842" y="3221567"/>
+                  <a:pt x="2520950" y="3175000"/>
+                </a:cubicBezTo>
+                <a:cubicBezTo>
+                  <a:pt x="3176058" y="3128433"/>
+                  <a:pt x="3563408" y="3127375"/>
+                  <a:pt x="3930650" y="2997200"/>
+                </a:cubicBezTo>
+                <a:cubicBezTo>
+                  <a:pt x="4297892" y="2867025"/>
+                  <a:pt x="4497917" y="2662767"/>
+                  <a:pt x="4724400" y="2393950"/>
+                </a:cubicBezTo>
+                <a:cubicBezTo>
+                  <a:pt x="4950883" y="2125133"/>
+                  <a:pt x="5131858" y="1783292"/>
+                  <a:pt x="5289550" y="1384300"/>
+                </a:cubicBezTo>
+                <a:cubicBezTo>
+                  <a:pt x="5447242" y="985308"/>
+                  <a:pt x="5670550" y="0"/>
+                  <a:pt x="5670550" y="0"/>
+                </a:cubicBezTo>
+                <a:lnTo>
+                  <a:pt x="5670550" y="0"/>
+                </a:lnTo>
+              </a:path>
+            </a:pathLst>
+          </a:custGeom>
+          <a:noFill/>
+          <a:ln w="28575"/>
+        </p:spPr>
+        <p:style>
+          <a:lnRef idx="2">
+            <a:schemeClr val="accent1">
+              <a:shade val="15000"/>
+            </a:schemeClr>
+          </a:lnRef>
+          <a:fillRef idx="1">
+            <a:schemeClr val="accent1"/>
+          </a:fillRef>
+          <a:effectRef idx="0">
+            <a:schemeClr val="accent1"/>
+          </a:effectRef>
+          <a:fontRef idx="minor">
+            <a:schemeClr val="lt1"/>
+          </a:fontRef>
+        </p:style>
+        <p:txBody>
+          <a:bodyPr rtlCol="0" anchor="ctr"/>
+          <a:lstStyle/>
+          <a:p>
+            <a:pPr algn="ctr"/>
+            <a:endParaRPr lang="en-US" dirty="0">
+              <a:latin typeface="Times New Roman" panose="02020603050405020304" pitchFamily="18" charset="0"/>
+              <a:cs typeface="Times New Roman" panose="02020603050405020304" pitchFamily="18" charset="0"/>
+            </a:endParaRPr>
+          </a:p>
+        </p:txBody>
+      </p:sp>
+      <p:cxnSp>
+        <p:nvCxnSpPr>
+          <p:cNvPr id="214" name="Straight Connector 213">
+            <a:extLst>
+              <a:ext uri="{FF2B5EF4-FFF2-40B4-BE49-F238E27FC236}">
+                <a16:creationId xmlns:a16="http://schemas.microsoft.com/office/drawing/2014/main" id="{58445CF8-CC60-BE0E-6D3E-61B1F935CE34}"/>
+              </a:ext>
+            </a:extLst>
+          </p:cNvPr>
+          <p:cNvCxnSpPr>
+            <a:cxnSpLocks/>
+          </p:cNvCxnSpPr>
+          <p:nvPr/>
+        </p:nvCxnSpPr>
+        <p:spPr>
+          <a:xfrm>
+            <a:off x="2881547" y="3178017"/>
+            <a:ext cx="6974723" cy="0"/>
+          </a:xfrm>
+          <a:prstGeom prst="line">
+            <a:avLst/>
+          </a:prstGeom>
+          <a:ln w="28575">
+            <a:solidFill>
+              <a:schemeClr val="tx1"/>
+            </a:solidFill>
+            <a:prstDash val="dash"/>
+            <a:headEnd type="none" w="med" len="med"/>
+            <a:tailEnd type="none" w="med" len="med"/>
+          </a:ln>
+        </p:spPr>
+        <p:style>
+          <a:lnRef idx="1">
+            <a:schemeClr val="accent1"/>
+          </a:lnRef>
+          <a:fillRef idx="0">
+            <a:schemeClr val="accent1"/>
+          </a:fillRef>
+          <a:effectRef idx="0">
+            <a:schemeClr val="accent1"/>
+          </a:effectRef>
+          <a:fontRef idx="minor">
+            <a:schemeClr val="tx1"/>
+          </a:fontRef>
+        </p:style>
+      </p:cxnSp>
+      <mc:AlternateContent xmlns:mc="http://schemas.openxmlformats.org/markup-compatibility/2006">
+        <mc:Choice xmlns:a14="http://schemas.microsoft.com/office/drawing/2010/main" Requires="a14">
+          <p:sp>
+            <p:nvSpPr>
+              <p:cNvPr id="216" name="TextBox 215">
+                <a:extLst>
+                  <a:ext uri="{FF2B5EF4-FFF2-40B4-BE49-F238E27FC236}">
+                    <a16:creationId xmlns:a16="http://schemas.microsoft.com/office/drawing/2014/main" id="{BB57247C-3556-5D9B-5CE7-DEFB0A38F919}"/>
+                  </a:ext>
+                </a:extLst>
+              </p:cNvPr>
+              <p:cNvSpPr txBox="1"/>
+              <p:nvPr/>
+            </p:nvSpPr>
+            <p:spPr>
+              <a:xfrm>
+                <a:off x="5115767" y="2973154"/>
+                <a:ext cx="668745" cy="369332"/>
+              </a:xfrm>
+              <a:prstGeom prst="rect">
+                <a:avLst/>
+              </a:prstGeom>
+              <a:solidFill>
+                <a:schemeClr val="bg1"/>
+              </a:solidFill>
+            </p:spPr>
+            <p:txBody>
+              <a:bodyPr wrap="square" rtlCol="0">
+                <a:spAutoFit/>
+              </a:bodyPr>
+              <a:lstStyle/>
+              <a:p>
+                <a14:m>
+                  <m:oMathPara xmlns:m="http://schemas.openxmlformats.org/officeDocument/2006/math">
+                    <m:oMathParaPr>
+                      <m:jc m:val="centerGroup"/>
+                    </m:oMathParaPr>
+                    <m:oMath xmlns:m="http://schemas.openxmlformats.org/officeDocument/2006/math">
+                      <m:sSub>
+                        <m:sSubPr>
+                          <m:ctrlPr>
+                            <a:rPr lang="pt-BR" i="1" smtClean="0">
+                              <a:latin typeface="Cambria Math" panose="02040503050406030204" pitchFamily="18" charset="0"/>
+                            </a:rPr>
+                          </m:ctrlPr>
+                        </m:sSubPr>
+                        <m:e>
+                          <m:r>
+                            <a:rPr lang="en-US" b="0" i="1" smtClean="0">
+                              <a:latin typeface="Cambria Math" panose="02040503050406030204" pitchFamily="18" charset="0"/>
+                            </a:rPr>
+                            <m:t>𝑈</m:t>
+                          </m:r>
+                        </m:e>
+                        <m:sub>
+                          <m:r>
+                            <a:rPr lang="en-US" b="0" i="1" smtClean="0">
+                              <a:latin typeface="Cambria Math" panose="02040503050406030204" pitchFamily="18" charset="0"/>
+                            </a:rPr>
+                            <m:t>𝑤𝑚</m:t>
+                          </m:r>
+                        </m:sub>
+                      </m:sSub>
+                    </m:oMath>
+                  </m:oMathPara>
+                </a14:m>
+                <a:endParaRPr lang="en-US" dirty="0">
+                  <a:latin typeface="Times New Roman" panose="02020603050405020304" pitchFamily="18" charset="0"/>
+                  <a:cs typeface="Times New Roman" panose="02020603050405020304" pitchFamily="18" charset="0"/>
+                </a:endParaRPr>
+              </a:p>
+            </p:txBody>
+          </p:sp>
+        </mc:Choice>
+        <mc:Fallback>
+          <p:sp>
+            <p:nvSpPr>
+              <p:cNvPr id="216" name="TextBox 215">
+                <a:extLst>
+                  <a:ext uri="{FF2B5EF4-FFF2-40B4-BE49-F238E27FC236}">
+                    <a16:creationId xmlns:a16="http://schemas.microsoft.com/office/drawing/2014/main" id="{BB57247C-3556-5D9B-5CE7-DEFB0A38F919}"/>
+                  </a:ext>
+                </a:extLst>
+              </p:cNvPr>
+              <p:cNvSpPr txBox="1">
+                <a:spLocks noRot="1" noChangeAspect="1" noMove="1" noResize="1" noEditPoints="1" noAdjustHandles="1" noChangeArrowheads="1" noChangeShapeType="1" noTextEdit="1"/>
+              </p:cNvSpPr>
+              <p:nvPr/>
+            </p:nvSpPr>
+            <p:spPr>
+              <a:xfrm>
+                <a:off x="5115767" y="2973154"/>
+                <a:ext cx="668745" cy="369332"/>
+              </a:xfrm>
+              <a:prstGeom prst="rect">
+                <a:avLst/>
+              </a:prstGeom>
+              <a:blipFill>
+                <a:blip r:embed="rId9"/>
+                <a:stretch>
+                  <a:fillRect/>
+                </a:stretch>
+              </a:blipFill>
+            </p:spPr>
+            <p:txBody>
+              <a:bodyPr/>
+              <a:lstStyle/>
+              <a:p>
+                <a:r>
+                  <a:rPr lang="en-US">
+                    <a:noFill/>
+                  </a:rPr>
+                  <a:t> </a:t>
+                </a:r>
+              </a:p>
+            </p:txBody>
+          </p:sp>
+        </mc:Fallback>
+      </mc:AlternateContent>
+      <p:sp>
+        <p:nvSpPr>
+          <p:cNvPr id="219" name="Oval 218">
+            <a:extLst>
+              <a:ext uri="{FF2B5EF4-FFF2-40B4-BE49-F238E27FC236}">
+                <a16:creationId xmlns:a16="http://schemas.microsoft.com/office/drawing/2014/main" id="{1A2B8F4D-AE7F-CF28-FAFF-F2BBE262C373}"/>
+              </a:ext>
+            </a:extLst>
+          </p:cNvPr>
+          <p:cNvSpPr/>
+          <p:nvPr/>
+        </p:nvSpPr>
+        <p:spPr>
+          <a:xfrm>
+            <a:off x="4876512" y="5394627"/>
+            <a:ext cx="228600" cy="228441"/>
+          </a:xfrm>
+          <a:prstGeom prst="ellipse">
+            <a:avLst/>
+          </a:prstGeom>
+        </p:spPr>
+        <p:style>
+          <a:lnRef idx="2">
+            <a:schemeClr val="accent1">
+              <a:shade val="15000"/>
+            </a:schemeClr>
+          </a:lnRef>
+          <a:fillRef idx="1">
+            <a:schemeClr val="accent1"/>
+          </a:fillRef>
+          <a:effectRef idx="0">
+            <a:schemeClr val="accent1"/>
+          </a:effectRef>
+          <a:fontRef idx="minor">
+            <a:schemeClr val="lt1"/>
+          </a:fontRef>
+        </p:style>
+        <p:txBody>
+          <a:bodyPr rtlCol="0" anchor="ctr"/>
+          <a:lstStyle/>
+          <a:p>
+            <a:pPr algn="ctr"/>
+            <a:endParaRPr lang="en-US">
+              <a:latin typeface="Times New Roman" panose="02020603050405020304" pitchFamily="18" charset="0"/>
+              <a:cs typeface="Times New Roman" panose="02020603050405020304" pitchFamily="18" charset="0"/>
+            </a:endParaRPr>
+          </a:p>
+        </p:txBody>
+      </p:sp>
+      <p:sp>
+        <p:nvSpPr>
+          <p:cNvPr id="221" name="Oval 220">
+            <a:extLst>
+              <a:ext uri="{FF2B5EF4-FFF2-40B4-BE49-F238E27FC236}">
+                <a16:creationId xmlns:a16="http://schemas.microsoft.com/office/drawing/2014/main" id="{1CAD929F-E802-64D3-032A-4516341958D7}"/>
+              </a:ext>
+            </a:extLst>
+          </p:cNvPr>
+          <p:cNvSpPr/>
+          <p:nvPr/>
+        </p:nvSpPr>
+        <p:spPr>
+          <a:xfrm>
+            <a:off x="4876512" y="2545371"/>
+            <a:ext cx="228600" cy="228441"/>
+          </a:xfrm>
+          <a:prstGeom prst="ellipse">
+            <a:avLst/>
+          </a:prstGeom>
+        </p:spPr>
+        <p:style>
+          <a:lnRef idx="2">
+            <a:schemeClr val="accent1">
+              <a:shade val="15000"/>
+            </a:schemeClr>
+          </a:lnRef>
+          <a:fillRef idx="1">
+            <a:schemeClr val="accent1"/>
+          </a:fillRef>
+          <a:effectRef idx="0">
+            <a:schemeClr val="accent1"/>
+          </a:effectRef>
+          <a:fontRef idx="minor">
+            <a:schemeClr val="lt1"/>
+          </a:fontRef>
+        </p:style>
+        <p:txBody>
+          <a:bodyPr rtlCol="0" anchor="ctr"/>
+          <a:lstStyle/>
+          <a:p>
+            <a:pPr algn="ctr"/>
+            <a:endParaRPr lang="en-US" dirty="0">
+              <a:latin typeface="Times New Roman" panose="02020603050405020304" pitchFamily="18" charset="0"/>
+              <a:cs typeface="Times New Roman" panose="02020603050405020304" pitchFamily="18" charset="0"/>
+            </a:endParaRPr>
+          </a:p>
+        </p:txBody>
+      </p:sp>
+      <p:sp>
+        <p:nvSpPr>
+          <p:cNvPr id="222" name="Oval 221">
+            <a:extLst>
+              <a:ext uri="{FF2B5EF4-FFF2-40B4-BE49-F238E27FC236}">
+                <a16:creationId xmlns:a16="http://schemas.microsoft.com/office/drawing/2014/main" id="{C56B5019-CD71-E9B2-A498-5D89A4D89654}"/>
+              </a:ext>
+            </a:extLst>
+          </p:cNvPr>
+          <p:cNvSpPr/>
+          <p:nvPr/>
+        </p:nvSpPr>
+        <p:spPr>
+          <a:xfrm>
+            <a:off x="4875072" y="3362236"/>
+            <a:ext cx="228600" cy="228441"/>
+          </a:xfrm>
+          <a:prstGeom prst="ellipse">
+            <a:avLst/>
+          </a:prstGeom>
+        </p:spPr>
+        <p:style>
+          <a:lnRef idx="2">
+            <a:schemeClr val="accent1">
+              <a:shade val="15000"/>
+            </a:schemeClr>
+          </a:lnRef>
+          <a:fillRef idx="1">
+            <a:schemeClr val="accent1"/>
+          </a:fillRef>
+          <a:effectRef idx="0">
+            <a:schemeClr val="accent1"/>
+          </a:effectRef>
+          <a:fontRef idx="minor">
+            <a:schemeClr val="lt1"/>
+          </a:fontRef>
+        </p:style>
+        <p:txBody>
+          <a:bodyPr rtlCol="0" anchor="ctr"/>
+          <a:lstStyle/>
+          <a:p>
+            <a:pPr algn="ctr"/>
+            <a:endParaRPr lang="en-US">
+              <a:latin typeface="Times New Roman" panose="02020603050405020304" pitchFamily="18" charset="0"/>
+              <a:cs typeface="Times New Roman" panose="02020603050405020304" pitchFamily="18" charset="0"/>
+            </a:endParaRPr>
+          </a:p>
+        </p:txBody>
+      </p:sp>
+      <mc:AlternateContent xmlns:mc="http://schemas.openxmlformats.org/markup-compatibility/2006">
+        <mc:Choice xmlns:a14="http://schemas.microsoft.com/office/drawing/2010/main" Requires="a14">
+          <p:sp>
+            <p:nvSpPr>
+              <p:cNvPr id="223" name="TextBox 222">
+                <a:extLst>
+                  <a:ext uri="{FF2B5EF4-FFF2-40B4-BE49-F238E27FC236}">
+                    <a16:creationId xmlns:a16="http://schemas.microsoft.com/office/drawing/2014/main" id="{DBFD15F0-6454-8C28-C00A-3AE8D484AA8B}"/>
+                  </a:ext>
+                </a:extLst>
+              </p:cNvPr>
+              <p:cNvSpPr txBox="1"/>
+              <p:nvPr/>
+            </p:nvSpPr>
+            <p:spPr>
+              <a:xfrm>
+                <a:off x="8152772" y="3785303"/>
+                <a:ext cx="606604" cy="369332"/>
+              </a:xfrm>
+              <a:prstGeom prst="rect">
+                <a:avLst/>
+              </a:prstGeom>
+              <a:solidFill>
+                <a:schemeClr val="bg1"/>
+              </a:solidFill>
+            </p:spPr>
+            <p:txBody>
+              <a:bodyPr wrap="square" rtlCol="0">
+                <a:spAutoFit/>
+              </a:bodyPr>
+              <a:lstStyle/>
+              <a:p>
+                <a14:m>
+                  <m:oMathPara xmlns:m="http://schemas.openxmlformats.org/officeDocument/2006/math">
+                    <m:oMathParaPr>
+                      <m:jc m:val="centerGroup"/>
+                    </m:oMathParaPr>
+                    <m:oMath xmlns:m="http://schemas.openxmlformats.org/officeDocument/2006/math">
+                      <m:r>
+                        <a:rPr lang="en-US" i="1" smtClean="0">
+                          <a:latin typeface="Cambria Math" panose="02040503050406030204" pitchFamily="18" charset="0"/>
+                        </a:rPr>
+                        <m:t>𝑈</m:t>
+                      </m:r>
+                      <m:d>
+                        <m:dPr>
+                          <m:ctrlPr>
+                            <a:rPr lang="en-US" b="0" i="1" smtClean="0">
+                              <a:latin typeface="Cambria Math" panose="02040503050406030204" pitchFamily="18" charset="0"/>
+                            </a:rPr>
+                          </m:ctrlPr>
+                        </m:dPr>
+                        <m:e>
+                          <m:r>
+                            <a:rPr lang="en-US" b="0" i="1" smtClean="0">
+                              <a:latin typeface="Cambria Math" panose="02040503050406030204" pitchFamily="18" charset="0"/>
+                            </a:rPr>
+                            <m:t>𝑧</m:t>
+                          </m:r>
+                        </m:e>
+                      </m:d>
+                    </m:oMath>
+                  </m:oMathPara>
+                </a14:m>
+                <a:endParaRPr lang="en-US" dirty="0">
+                  <a:latin typeface="Times New Roman" panose="02020603050405020304" pitchFamily="18" charset="0"/>
+                  <a:cs typeface="Times New Roman" panose="02020603050405020304" pitchFamily="18" charset="0"/>
+                </a:endParaRPr>
+              </a:p>
+            </p:txBody>
+          </p:sp>
+        </mc:Choice>
+        <mc:Fallback>
+          <p:sp>
+            <p:nvSpPr>
+              <p:cNvPr id="223" name="TextBox 222">
+                <a:extLst>
+                  <a:ext uri="{FF2B5EF4-FFF2-40B4-BE49-F238E27FC236}">
+                    <a16:creationId xmlns:a16="http://schemas.microsoft.com/office/drawing/2014/main" id="{DBFD15F0-6454-8C28-C00A-3AE8D484AA8B}"/>
+                  </a:ext>
+                </a:extLst>
+              </p:cNvPr>
+              <p:cNvSpPr txBox="1">
+                <a:spLocks noRot="1" noChangeAspect="1" noMove="1" noResize="1" noEditPoints="1" noAdjustHandles="1" noChangeArrowheads="1" noChangeShapeType="1" noTextEdit="1"/>
+              </p:cNvSpPr>
+              <p:nvPr/>
+            </p:nvSpPr>
+            <p:spPr>
+              <a:xfrm>
+                <a:off x="8152772" y="3785303"/>
+                <a:ext cx="606604" cy="369332"/>
+              </a:xfrm>
+              <a:prstGeom prst="rect">
+                <a:avLst/>
+              </a:prstGeom>
+              <a:blipFill>
+                <a:blip r:embed="rId10"/>
+                <a:stretch>
+                  <a:fillRect/>
+                </a:stretch>
+              </a:blipFill>
+            </p:spPr>
+            <p:txBody>
+              <a:bodyPr/>
+              <a:lstStyle/>
+              <a:p>
+                <a:r>
+                  <a:rPr lang="en-US">
+                    <a:noFill/>
+                  </a:rPr>
+                  <a:t> </a:t>
+                </a:r>
+              </a:p>
+            </p:txBody>
+          </p:sp>
+        </mc:Fallback>
+      </mc:AlternateContent>
+      <p:sp>
+        <p:nvSpPr>
+          <p:cNvPr id="224" name="Oval 223">
+            <a:extLst>
+              <a:ext uri="{FF2B5EF4-FFF2-40B4-BE49-F238E27FC236}">
+                <a16:creationId xmlns:a16="http://schemas.microsoft.com/office/drawing/2014/main" id="{AEFC52BA-6DD2-DB3D-F899-8C23820124DB}"/>
+              </a:ext>
+            </a:extLst>
+          </p:cNvPr>
+          <p:cNvSpPr/>
+          <p:nvPr/>
+        </p:nvSpPr>
+        <p:spPr>
+          <a:xfrm>
+            <a:off x="4876258" y="3061893"/>
+            <a:ext cx="228600" cy="228441"/>
+          </a:xfrm>
+          <a:prstGeom prst="ellipse">
+            <a:avLst/>
+          </a:prstGeom>
+        </p:spPr>
+        <p:style>
+          <a:lnRef idx="2">
+            <a:schemeClr val="accent1">
+              <a:shade val="15000"/>
+            </a:schemeClr>
+          </a:lnRef>
+          <a:fillRef idx="1">
+            <a:schemeClr val="accent1"/>
+          </a:fillRef>
+          <a:effectRef idx="0">
+            <a:schemeClr val="accent1"/>
+          </a:effectRef>
+          <a:fontRef idx="minor">
+            <a:schemeClr val="lt1"/>
+          </a:fontRef>
+        </p:style>
+        <p:txBody>
+          <a:bodyPr rtlCol="0" anchor="ctr"/>
+          <a:lstStyle/>
+          <a:p>
+            <a:pPr algn="ctr"/>
+            <a:endParaRPr lang="en-US" dirty="0">
+              <a:latin typeface="Times New Roman" panose="02020603050405020304" pitchFamily="18" charset="0"/>
+              <a:cs typeface="Times New Roman" panose="02020603050405020304" pitchFamily="18" charset="0"/>
+            </a:endParaRPr>
+          </a:p>
+        </p:txBody>
+      </p:sp>
+    </p:spTree>
+    <p:extLst>
+      <p:ext uri="{BB962C8B-B14F-4D97-AF65-F5344CB8AC3E}">
+        <p14:creationId xmlns:p14="http://schemas.microsoft.com/office/powerpoint/2010/main" val="1855296200"/>
       </p:ext>
     </p:extLst>
   </p:cSld>

--- a/docs/CaNS_Theory.pptx
+++ b/docs/CaNS_Theory.pptx
@@ -220,7 +220,7 @@
           <a:p>
             <a:fld id="{E75B8690-9AE5-4594-AD02-E664C0110DBD}" type="datetimeFigureOut">
               <a:rPr lang="en-US" smtClean="0"/>
-              <a:t>9/30/2024</a:t>
+              <a:t>10/27/2024</a:t>
             </a:fld>
             <a:endParaRPr lang="en-US"/>
           </a:p>
@@ -889,7 +889,7 @@
           <a:p>
             <a:fld id="{D6B294E4-950D-42C1-8A28-E2C70B0CEB94}" type="datetimeFigureOut">
               <a:rPr lang="en-US" smtClean="0"/>
-              <a:t>9/30/2024</a:t>
+              <a:t>10/27/2024</a:t>
             </a:fld>
             <a:endParaRPr lang="en-US"/>
           </a:p>
@@ -1087,7 +1087,7 @@
           <a:p>
             <a:fld id="{D6B294E4-950D-42C1-8A28-E2C70B0CEB94}" type="datetimeFigureOut">
               <a:rPr lang="en-US" smtClean="0"/>
-              <a:t>9/30/2024</a:t>
+              <a:t>10/27/2024</a:t>
             </a:fld>
             <a:endParaRPr lang="en-US"/>
           </a:p>
@@ -1295,7 +1295,7 @@
           <a:p>
             <a:fld id="{D6B294E4-950D-42C1-8A28-E2C70B0CEB94}" type="datetimeFigureOut">
               <a:rPr lang="en-US" smtClean="0"/>
-              <a:t>9/30/2024</a:t>
+              <a:t>10/27/2024</a:t>
             </a:fld>
             <a:endParaRPr lang="en-US"/>
           </a:p>
@@ -1493,7 +1493,7 @@
           <a:p>
             <a:fld id="{D6B294E4-950D-42C1-8A28-E2C70B0CEB94}" type="datetimeFigureOut">
               <a:rPr lang="en-US" smtClean="0"/>
-              <a:t>9/30/2024</a:t>
+              <a:t>10/27/2024</a:t>
             </a:fld>
             <a:endParaRPr lang="en-US"/>
           </a:p>
@@ -1768,7 +1768,7 @@
           <a:p>
             <a:fld id="{D6B294E4-950D-42C1-8A28-E2C70B0CEB94}" type="datetimeFigureOut">
               <a:rPr lang="en-US" smtClean="0"/>
-              <a:t>9/30/2024</a:t>
+              <a:t>10/27/2024</a:t>
             </a:fld>
             <a:endParaRPr lang="en-US"/>
           </a:p>
@@ -2033,7 +2033,7 @@
           <a:p>
             <a:fld id="{D6B294E4-950D-42C1-8A28-E2C70B0CEB94}" type="datetimeFigureOut">
               <a:rPr lang="en-US" smtClean="0"/>
-              <a:t>9/30/2024</a:t>
+              <a:t>10/27/2024</a:t>
             </a:fld>
             <a:endParaRPr lang="en-US"/>
           </a:p>
@@ -2445,7 +2445,7 @@
           <a:p>
             <a:fld id="{D6B294E4-950D-42C1-8A28-E2C70B0CEB94}" type="datetimeFigureOut">
               <a:rPr lang="en-US" smtClean="0"/>
-              <a:t>9/30/2024</a:t>
+              <a:t>10/27/2024</a:t>
             </a:fld>
             <a:endParaRPr lang="en-US"/>
           </a:p>
@@ -2586,7 +2586,7 @@
           <a:p>
             <a:fld id="{D6B294E4-950D-42C1-8A28-E2C70B0CEB94}" type="datetimeFigureOut">
               <a:rPr lang="en-US" smtClean="0"/>
-              <a:t>9/30/2024</a:t>
+              <a:t>10/27/2024</a:t>
             </a:fld>
             <a:endParaRPr lang="en-US"/>
           </a:p>
@@ -2699,7 +2699,7 @@
           <a:p>
             <a:fld id="{D6B294E4-950D-42C1-8A28-E2C70B0CEB94}" type="datetimeFigureOut">
               <a:rPr lang="en-US" smtClean="0"/>
-              <a:t>9/30/2024</a:t>
+              <a:t>10/27/2024</a:t>
             </a:fld>
             <a:endParaRPr lang="en-US"/>
           </a:p>
@@ -3010,7 +3010,7 @@
           <a:p>
             <a:fld id="{D6B294E4-950D-42C1-8A28-E2C70B0CEB94}" type="datetimeFigureOut">
               <a:rPr lang="en-US" smtClean="0"/>
-              <a:t>9/30/2024</a:t>
+              <a:t>10/27/2024</a:t>
             </a:fld>
             <a:endParaRPr lang="en-US"/>
           </a:p>
@@ -3298,7 +3298,7 @@
           <a:p>
             <a:fld id="{D6B294E4-950D-42C1-8A28-E2C70B0CEB94}" type="datetimeFigureOut">
               <a:rPr lang="en-US" smtClean="0"/>
-              <a:t>9/30/2024</a:t>
+              <a:t>10/27/2024</a:t>
             </a:fld>
             <a:endParaRPr lang="en-US"/>
           </a:p>
@@ -3539,7 +3539,7 @@
           <a:p>
             <a:fld id="{D6B294E4-950D-42C1-8A28-E2C70B0CEB94}" type="datetimeFigureOut">
               <a:rPr lang="en-US" smtClean="0"/>
-              <a:t>9/30/2024</a:t>
+              <a:t>10/27/2024</a:t>
             </a:fld>
             <a:endParaRPr lang="en-US"/>
           </a:p>
@@ -13564,7 +13564,7 @@
         <p:spPr>
           <a:xfrm>
             <a:off x="3056466" y="5509742"/>
-            <a:ext cx="6477000" cy="0"/>
+            <a:ext cx="5399608" cy="0"/>
           </a:xfrm>
           <a:prstGeom prst="line">
             <a:avLst/>
@@ -13808,7 +13808,7 @@
           <a:prstGeom prst="line">
             <a:avLst/>
           </a:prstGeom>
-          <a:ln w="28575">
+          <a:ln w="12700">
             <a:solidFill>
               <a:schemeClr val="tx1"/>
             </a:solidFill>
@@ -13831,8 +13831,8 @@
           </a:fontRef>
         </p:style>
       </p:cxnSp>
-      <mc:AlternateContent xmlns:mc="http://schemas.openxmlformats.org/markup-compatibility/2006">
-        <mc:Choice xmlns:a14="http://schemas.microsoft.com/office/drawing/2010/main" Requires="a14">
+      <mc:AlternateContent xmlns:mc="http://schemas.openxmlformats.org/markup-compatibility/2006" xmlns:a14="http://schemas.microsoft.com/office/drawing/2010/main">
+        <mc:Choice Requires="a14">
           <p:sp>
             <p:nvSpPr>
               <p:cNvPr id="166" name="TextBox 165">
@@ -13863,6 +13863,7 @@
               </a:bodyPr>
               <a:lstStyle/>
               <a:p>
+                <a:pPr/>
                 <a14:m>
                   <m:oMathPara xmlns:m="http://schemas.openxmlformats.org/officeDocument/2006/math">
                     <m:oMathParaPr>
@@ -13905,7 +13906,7 @@
             </p:txBody>
           </p:sp>
         </mc:Choice>
-        <mc:Fallback>
+        <mc:Fallback xmlns="">
           <p:sp>
             <p:nvSpPr>
               <p:cNvPr id="166" name="TextBox 165">
@@ -14062,6 +14063,7 @@
               </a:bodyPr>
               <a:lstStyle/>
               <a:p>
+                <a:pPr/>
                 <a14:m>
                   <m:oMathPara xmlns:m="http://schemas.openxmlformats.org/officeDocument/2006/math">
                     <m:oMathParaPr>
@@ -14112,7 +14114,7 @@
                             <a:rPr lang="en-US" b="0" i="1" smtClean="0">
                               <a:latin typeface="Cambria Math" panose="02040503050406030204" pitchFamily="18" charset="0"/>
                             </a:rPr>
-                            <m:t>𝑣</m:t>
+                            <m:t>𝑤</m:t>
                           </m:r>
                         </m:e>
                         <m:sub>
@@ -14161,7 +14163,7 @@
               <a:blipFill>
                 <a:blip r:embed="rId4"/>
                 <a:stretch>
-                  <a:fillRect r="-3636"/>
+                  <a:fillRect r="-9091"/>
                 </a:stretch>
               </a:blipFill>
             </p:spPr>
@@ -14212,6 +14214,7 @@
               </a:bodyPr>
               <a:lstStyle/>
               <a:p>
+                <a:pPr/>
                 <a14:m>
                   <m:oMathPara xmlns:m="http://schemas.openxmlformats.org/officeDocument/2006/math">
                     <m:oMathParaPr>
@@ -14262,7 +14265,7 @@
                             <a:rPr lang="en-US" b="0" i="1" smtClean="0">
                               <a:latin typeface="Cambria Math" panose="02040503050406030204" pitchFamily="18" charset="0"/>
                             </a:rPr>
-                            <m:t>𝑣</m:t>
+                            <m:t>𝑤</m:t>
                           </m:r>
                         </m:e>
                         <m:sub>
@@ -14311,7 +14314,7 @@
               <a:blipFill>
                 <a:blip r:embed="rId5"/>
                 <a:stretch>
-                  <a:fillRect r="-13131"/>
+                  <a:fillRect r="-19192"/>
                 </a:stretch>
               </a:blipFill>
             </p:spPr>
@@ -14388,7 +14391,7 @@
         </p:nvCxnSpPr>
         <p:spPr>
           <a:xfrm flipV="1">
-            <a:off x="3252144" y="1545149"/>
+            <a:off x="3256378" y="1545149"/>
             <a:ext cx="0" cy="698431"/>
           </a:xfrm>
           <a:prstGeom prst="line">
@@ -14414,8 +14417,8 @@
           </a:fontRef>
         </p:style>
       </p:cxnSp>
-      <mc:AlternateContent xmlns:mc="http://schemas.openxmlformats.org/markup-compatibility/2006">
-        <mc:Choice xmlns:a14="http://schemas.microsoft.com/office/drawing/2010/main" Requires="a14">
+      <mc:AlternateContent xmlns:mc="http://schemas.openxmlformats.org/markup-compatibility/2006" xmlns:a14="http://schemas.microsoft.com/office/drawing/2010/main">
+        <mc:Choice Requires="a14">
           <p:sp>
             <p:nvSpPr>
               <p:cNvPr id="193" name="TextBox 192">
@@ -14446,6 +14449,7 @@
               </a:bodyPr>
               <a:lstStyle/>
               <a:p>
+                <a:pPr/>
                 <a14:m>
                   <m:oMathPara xmlns:m="http://schemas.openxmlformats.org/officeDocument/2006/math">
                     <m:oMathParaPr>
@@ -14469,7 +14473,7 @@
             </p:txBody>
           </p:sp>
         </mc:Choice>
-        <mc:Fallback>
+        <mc:Fallback xmlns="">
           <p:sp>
             <p:nvSpPr>
               <p:cNvPr id="193" name="TextBox 192">
@@ -14546,6 +14550,7 @@
               </a:bodyPr>
               <a:lstStyle/>
               <a:p>
+                <a:pPr/>
                 <a14:m>
                   <m:oMathPara xmlns:m="http://schemas.openxmlformats.org/officeDocument/2006/math">
                     <m:oMathParaPr>
@@ -14555,8 +14560,9 @@
                       <m:r>
                         <a:rPr lang="en-US" b="0" i="1" smtClean="0">
                           <a:latin typeface="Cambria Math" panose="02040503050406030204" pitchFamily="18" charset="0"/>
+                          <a:cs typeface="Times New Roman" panose="02020603050405020304" pitchFamily="18" charset="0"/>
                         </a:rPr>
-                        <m:t>𝑧</m:t>
+                        <m:t>𝑦</m:t>
                       </m:r>
                     </m:oMath>
                   </m:oMathPara>
@@ -14595,7 +14601,7 @@
               <a:blipFill>
                 <a:blip r:embed="rId7"/>
                 <a:stretch>
-                  <a:fillRect/>
+                  <a:fillRect b="-8333"/>
                 </a:stretch>
               </a:blipFill>
             </p:spPr>
@@ -14630,8 +14636,8 @@
             </p:nvSpPr>
             <p:spPr>
               <a:xfrm>
-                <a:off x="4318443" y="5633528"/>
-                <a:ext cx="1465157" cy="411010"/>
+                <a:off x="5216523" y="5791059"/>
+                <a:ext cx="1465157" cy="369332"/>
               </a:xfrm>
               <a:prstGeom prst="rect">
                 <a:avLst/>
@@ -14646,19 +14652,39 @@
               </a:bodyPr>
               <a:lstStyle/>
               <a:p>
+                <a:pPr/>
                 <a14:m>
                   <m:oMathPara xmlns:m="http://schemas.openxmlformats.org/officeDocument/2006/math">
                     <m:oMathParaPr>
                       <m:jc m:val="centerGroup"/>
                     </m:oMathParaPr>
                     <m:oMath xmlns:m="http://schemas.openxmlformats.org/officeDocument/2006/math">
-                      <m:r>
-                        <a:rPr lang="en-US" i="1">
-                          <a:latin typeface="Cambria Math" panose="02040503050406030204" pitchFamily="18" charset="0"/>
-                          <a:ea typeface="Cambria Math" panose="02040503050406030204" pitchFamily="18" charset="0"/>
-                        </a:rPr>
-                        <m:t>𝜏</m:t>
-                      </m:r>
+                      <m:sSub>
+                        <m:sSubPr>
+                          <m:ctrlPr>
+                            <a:rPr lang="en-US" b="0" i="1" smtClean="0">
+                              <a:latin typeface="Cambria Math" panose="02040503050406030204" pitchFamily="18" charset="0"/>
+                            </a:rPr>
+                          </m:ctrlPr>
+                        </m:sSubPr>
+                        <m:e>
+                          <m:r>
+                            <a:rPr lang="en-US" b="1" i="1" smtClean="0">
+                              <a:latin typeface="Cambria Math" panose="02040503050406030204" pitchFamily="18" charset="0"/>
+                              <a:ea typeface="Cambria Math" panose="02040503050406030204" pitchFamily="18" charset="0"/>
+                            </a:rPr>
+                            <m:t>𝝉</m:t>
+                          </m:r>
+                        </m:e>
+                        <m:sub>
+                          <m:r>
+                            <a:rPr lang="en-US" b="0" i="1" smtClean="0">
+                              <a:latin typeface="Cambria Math" panose="02040503050406030204" pitchFamily="18" charset="0"/>
+                            </a:rPr>
+                            <m:t>𝑤</m:t>
+                          </m:r>
+                        </m:sub>
+                      </m:sSub>
                       <m:r>
                         <a:rPr lang="en-US" b="0" i="1" smtClean="0">
                           <a:latin typeface="Cambria Math" panose="02040503050406030204" pitchFamily="18" charset="0"/>
@@ -14725,11 +14751,11 @@
                             </m:e>
                             <m:sub>
                               <m:r>
-                                <a:rPr lang="en-US" i="1">
+                                <a:rPr lang="en-US" b="0" i="1" smtClean="0">
                                   <a:latin typeface="Cambria Math" panose="02040503050406030204" pitchFamily="18" charset="0"/>
                                   <a:ea typeface="Cambria Math" panose="02040503050406030204" pitchFamily="18" charset="0"/>
                                 </a:rPr>
-                                <m:t>𝑦</m:t>
+                                <m:t>𝑧</m:t>
                               </m:r>
                             </m:sub>
                           </m:sSub>
@@ -14763,8 +14789,8 @@
             </p:nvSpPr>
             <p:spPr>
               <a:xfrm>
-                <a:off x="4318443" y="5633528"/>
-                <a:ext cx="1465157" cy="411010"/>
+                <a:off x="5216523" y="5791059"/>
+                <a:ext cx="1465157" cy="369332"/>
               </a:xfrm>
               <a:prstGeom prst="rect">
                 <a:avLst/>
@@ -14772,7 +14798,7 @@
               <a:blipFill>
                 <a:blip r:embed="rId8"/>
                 <a:stretch>
-                  <a:fillRect b="-2941"/>
+                  <a:fillRect/>
                 </a:stretch>
               </a:blipFill>
             </p:spPr>
@@ -14993,206 +15019,6 @@
       </p:sp>
       <p:sp>
         <p:nvSpPr>
-          <p:cNvPr id="209" name="Rectangle 208">
-            <a:extLst>
-              <a:ext uri="{FF2B5EF4-FFF2-40B4-BE49-F238E27FC236}">
-                <a16:creationId xmlns:a16="http://schemas.microsoft.com/office/drawing/2014/main" id="{9CE158DC-87D1-08FB-E258-EC3FAECDEF53}"/>
-              </a:ext>
-            </a:extLst>
-          </p:cNvPr>
-          <p:cNvSpPr/>
-          <p:nvPr/>
-        </p:nvSpPr>
-        <p:spPr>
-          <a:xfrm>
-            <a:off x="8456074" y="2243672"/>
-            <a:ext cx="868101" cy="816728"/>
-          </a:xfrm>
-          <a:prstGeom prst="rect">
-            <a:avLst/>
-          </a:prstGeom>
-          <a:noFill/>
-        </p:spPr>
-        <p:style>
-          <a:lnRef idx="2">
-            <a:schemeClr val="accent1">
-              <a:shade val="50000"/>
-            </a:schemeClr>
-          </a:lnRef>
-          <a:fillRef idx="1">
-            <a:schemeClr val="accent1"/>
-          </a:fillRef>
-          <a:effectRef idx="0">
-            <a:schemeClr val="accent1"/>
-          </a:effectRef>
-          <a:fontRef idx="minor">
-            <a:schemeClr val="lt1"/>
-          </a:fontRef>
-        </p:style>
-        <p:txBody>
-          <a:bodyPr rtlCol="0" anchor="ctr"/>
-          <a:lstStyle/>
-          <a:p>
-            <a:pPr algn="ctr"/>
-            <a:endParaRPr lang="en-US">
-              <a:latin typeface="Times New Roman" panose="02020603050405020304" pitchFamily="18" charset="0"/>
-              <a:cs typeface="Times New Roman" panose="02020603050405020304" pitchFamily="18" charset="0"/>
-            </a:endParaRPr>
-          </a:p>
-        </p:txBody>
-      </p:sp>
-      <p:sp>
-        <p:nvSpPr>
-          <p:cNvPr id="210" name="Rectangle 209">
-            <a:extLst>
-              <a:ext uri="{FF2B5EF4-FFF2-40B4-BE49-F238E27FC236}">
-                <a16:creationId xmlns:a16="http://schemas.microsoft.com/office/drawing/2014/main" id="{49DDFECA-A619-0C34-A030-FF42E51193C0}"/>
-              </a:ext>
-            </a:extLst>
-          </p:cNvPr>
-          <p:cNvSpPr/>
-          <p:nvPr/>
-        </p:nvSpPr>
-        <p:spPr>
-          <a:xfrm>
-            <a:off x="8456074" y="3060400"/>
-            <a:ext cx="868101" cy="816728"/>
-          </a:xfrm>
-          <a:prstGeom prst="rect">
-            <a:avLst/>
-          </a:prstGeom>
-          <a:noFill/>
-        </p:spPr>
-        <p:style>
-          <a:lnRef idx="2">
-            <a:schemeClr val="accent1">
-              <a:shade val="50000"/>
-            </a:schemeClr>
-          </a:lnRef>
-          <a:fillRef idx="1">
-            <a:schemeClr val="accent1"/>
-          </a:fillRef>
-          <a:effectRef idx="0">
-            <a:schemeClr val="accent1"/>
-          </a:effectRef>
-          <a:fontRef idx="minor">
-            <a:schemeClr val="lt1"/>
-          </a:fontRef>
-        </p:style>
-        <p:txBody>
-          <a:bodyPr rtlCol="0" anchor="ctr"/>
-          <a:lstStyle/>
-          <a:p>
-            <a:pPr algn="ctr"/>
-            <a:endParaRPr lang="en-US">
-              <a:latin typeface="Times New Roman" panose="02020603050405020304" pitchFamily="18" charset="0"/>
-              <a:cs typeface="Times New Roman" panose="02020603050405020304" pitchFamily="18" charset="0"/>
-            </a:endParaRPr>
-          </a:p>
-        </p:txBody>
-      </p:sp>
-      <p:sp>
-        <p:nvSpPr>
-          <p:cNvPr id="211" name="Rectangle 210">
-            <a:extLst>
-              <a:ext uri="{FF2B5EF4-FFF2-40B4-BE49-F238E27FC236}">
-                <a16:creationId xmlns:a16="http://schemas.microsoft.com/office/drawing/2014/main" id="{D04CD9FB-A504-5366-F7B6-FB5DCD1BCE8C}"/>
-              </a:ext>
-            </a:extLst>
-          </p:cNvPr>
-          <p:cNvSpPr/>
-          <p:nvPr/>
-        </p:nvSpPr>
-        <p:spPr>
-          <a:xfrm>
-            <a:off x="8456074" y="3877128"/>
-            <a:ext cx="868101" cy="816728"/>
-          </a:xfrm>
-          <a:prstGeom prst="rect">
-            <a:avLst/>
-          </a:prstGeom>
-          <a:noFill/>
-        </p:spPr>
-        <p:style>
-          <a:lnRef idx="2">
-            <a:schemeClr val="accent1">
-              <a:shade val="50000"/>
-            </a:schemeClr>
-          </a:lnRef>
-          <a:fillRef idx="1">
-            <a:schemeClr val="accent1"/>
-          </a:fillRef>
-          <a:effectRef idx="0">
-            <a:schemeClr val="accent1"/>
-          </a:effectRef>
-          <a:fontRef idx="minor">
-            <a:schemeClr val="lt1"/>
-          </a:fontRef>
-        </p:style>
-        <p:txBody>
-          <a:bodyPr rtlCol="0" anchor="ctr"/>
-          <a:lstStyle/>
-          <a:p>
-            <a:pPr algn="ctr"/>
-            <a:endParaRPr lang="en-US">
-              <a:latin typeface="Times New Roman" panose="02020603050405020304" pitchFamily="18" charset="0"/>
-              <a:cs typeface="Times New Roman" panose="02020603050405020304" pitchFamily="18" charset="0"/>
-            </a:endParaRPr>
-          </a:p>
-        </p:txBody>
-      </p:sp>
-      <p:sp>
-        <p:nvSpPr>
-          <p:cNvPr id="212" name="Rectangle 211">
-            <a:extLst>
-              <a:ext uri="{FF2B5EF4-FFF2-40B4-BE49-F238E27FC236}">
-                <a16:creationId xmlns:a16="http://schemas.microsoft.com/office/drawing/2014/main" id="{22FFB1E0-ECF8-1AFA-3273-C96C11934E15}"/>
-              </a:ext>
-            </a:extLst>
-          </p:cNvPr>
-          <p:cNvSpPr/>
-          <p:nvPr/>
-        </p:nvSpPr>
-        <p:spPr>
-          <a:xfrm>
-            <a:off x="8456074" y="4693856"/>
-            <a:ext cx="868101" cy="816728"/>
-          </a:xfrm>
-          <a:prstGeom prst="rect">
-            <a:avLst/>
-          </a:prstGeom>
-          <a:noFill/>
-        </p:spPr>
-        <p:style>
-          <a:lnRef idx="2">
-            <a:schemeClr val="accent1">
-              <a:shade val="50000"/>
-            </a:schemeClr>
-          </a:lnRef>
-          <a:fillRef idx="1">
-            <a:schemeClr val="accent1"/>
-          </a:fillRef>
-          <a:effectRef idx="0">
-            <a:schemeClr val="accent1"/>
-          </a:effectRef>
-          <a:fontRef idx="minor">
-            <a:schemeClr val="lt1"/>
-          </a:fontRef>
-        </p:style>
-        <p:txBody>
-          <a:bodyPr rtlCol="0" anchor="ctr"/>
-          <a:lstStyle/>
-          <a:p>
-            <a:pPr algn="ctr"/>
-            <a:endParaRPr lang="en-US">
-              <a:latin typeface="Times New Roman" panose="02020603050405020304" pitchFamily="18" charset="0"/>
-              <a:cs typeface="Times New Roman" panose="02020603050405020304" pitchFamily="18" charset="0"/>
-            </a:endParaRPr>
-          </a:p>
-        </p:txBody>
-      </p:sp>
-      <p:sp>
-        <p:nvSpPr>
           <p:cNvPr id="213" name="Freeform: Shape 212">
             <a:extLst>
               <a:ext uri="{FF2B5EF4-FFF2-40B4-BE49-F238E27FC236}">
@@ -15206,7 +15032,7 @@
         <p:spPr>
           <a:xfrm>
             <a:off x="4990818" y="2228850"/>
-            <a:ext cx="4333351" cy="3276600"/>
+            <a:ext cx="2094330" cy="3276600"/>
           </a:xfrm>
           <a:custGeom>
             <a:avLst/>
@@ -15329,18 +15155,19 @@
           </p:cNvPr>
           <p:cNvCxnSpPr>
             <a:cxnSpLocks/>
+            <a:endCxn id="224" idx="2"/>
           </p:cNvCxnSpPr>
           <p:nvPr/>
         </p:nvCxnSpPr>
         <p:spPr>
           <a:xfrm>
-            <a:off x="2881547" y="3178017"/>
-            <a:ext cx="6974723" cy="0"/>
+            <a:off x="3993192" y="3176114"/>
+            <a:ext cx="883066" cy="0"/>
           </a:xfrm>
           <a:prstGeom prst="line">
             <a:avLst/>
           </a:prstGeom>
-          <a:ln w="28575">
+          <a:ln w="12700">
             <a:solidFill>
               <a:schemeClr val="tx1"/>
             </a:solidFill>
@@ -15380,8 +15207,8 @@
             </p:nvSpPr>
             <p:spPr>
               <a:xfrm>
-                <a:off x="5115767" y="2973154"/>
-                <a:ext cx="668745" cy="369332"/>
+                <a:off x="7727546" y="2860598"/>
+                <a:ext cx="1217314" cy="369332"/>
               </a:xfrm>
               <a:prstGeom prst="rect">
                 <a:avLst/>
@@ -15396,6 +15223,7 @@
               </a:bodyPr>
               <a:lstStyle/>
               <a:p>
+                <a:pPr/>
                 <a14:m>
                   <m:oMathPara xmlns:m="http://schemas.openxmlformats.org/officeDocument/2006/math">
                     <m:oMathParaPr>
@@ -15415,7 +15243,38 @@
                             <a:rPr lang="en-US" b="0" i="1" smtClean="0">
                               <a:latin typeface="Cambria Math" panose="02040503050406030204" pitchFamily="18" charset="0"/>
                             </a:rPr>
-                            <m:t>𝑈</m:t>
+                            <m:t>𝑢</m:t>
+                          </m:r>
+                        </m:e>
+                        <m:sub>
+                          <m:r>
+                            <a:rPr lang="en-US" b="0" i="1" smtClean="0">
+                              <a:latin typeface="Cambria Math" panose="02040503050406030204" pitchFamily="18" charset="0"/>
+                            </a:rPr>
+                            <m:t>𝑤𝑚</m:t>
+                          </m:r>
+                        </m:sub>
+                      </m:sSub>
+                      <m:r>
+                        <a:rPr lang="en-US" b="0" i="1" smtClean="0">
+                          <a:latin typeface="Cambria Math" panose="02040503050406030204" pitchFamily="18" charset="0"/>
+                        </a:rPr>
+                        <m:t>,</m:t>
+                      </m:r>
+                      <m:sSub>
+                        <m:sSubPr>
+                          <m:ctrlPr>
+                            <a:rPr lang="pt-BR" i="1">
+                              <a:latin typeface="Cambria Math" panose="02040503050406030204" pitchFamily="18" charset="0"/>
+                            </a:rPr>
+                          </m:ctrlPr>
+                        </m:sSubPr>
+                        <m:e>
+                          <m:r>
+                            <a:rPr lang="en-US" b="0" i="1" smtClean="0">
+                              <a:latin typeface="Cambria Math" panose="02040503050406030204" pitchFamily="18" charset="0"/>
+                            </a:rPr>
+                            <m:t>𝑤</m:t>
                           </m:r>
                         </m:e>
                         <m:sub>
@@ -15455,8 +15314,8 @@
             </p:nvSpPr>
             <p:spPr>
               <a:xfrm>
-                <a:off x="5115767" y="2973154"/>
-                <a:ext cx="668745" cy="369332"/>
+                <a:off x="7727546" y="2860598"/>
+                <a:ext cx="1217314" cy="369332"/>
               </a:xfrm>
               <a:prstGeom prst="rect">
                 <a:avLst/>
@@ -15646,7 +15505,7 @@
             </p:nvSpPr>
             <p:spPr>
               <a:xfrm>
-                <a:off x="8152772" y="3785303"/>
+                <a:off x="6064987" y="4052908"/>
                 <a:ext cx="606604" cy="369332"/>
               </a:xfrm>
               <a:prstGeom prst="rect">
@@ -15662,6 +15521,7 @@
               </a:bodyPr>
               <a:lstStyle/>
               <a:p>
+                <a:pPr/>
                 <a14:m>
                   <m:oMathPara xmlns:m="http://schemas.openxmlformats.org/officeDocument/2006/math">
                     <m:oMathParaPr>
@@ -15687,7 +15547,7 @@
                             <a:rPr lang="en-US" b="0" i="1" smtClean="0">
                               <a:latin typeface="Cambria Math" panose="02040503050406030204" pitchFamily="18" charset="0"/>
                             </a:rPr>
-                            <m:t>𝑧</m:t>
+                            <m:t>𝑦</m:t>
                           </m:r>
                         </m:e>
                       </m:d>
@@ -15719,7 +15579,7 @@
             </p:nvSpPr>
             <p:spPr>
               <a:xfrm>
-                <a:off x="8152772" y="3785303"/>
+                <a:off x="6064987" y="4052908"/>
                 <a:ext cx="606604" cy="369332"/>
               </a:xfrm>
               <a:prstGeom prst="rect">
@@ -15728,7 +15588,7 @@
               <a:blipFill>
                 <a:blip r:embed="rId10"/>
                 <a:stretch>
-                  <a:fillRect/>
+                  <a:fillRect b="-8333"/>
                 </a:stretch>
               </a:blipFill>
             </p:spPr>
@@ -15793,6 +15653,241 @@
               <a:latin typeface="Times New Roman" panose="02020603050405020304" pitchFamily="18" charset="0"/>
               <a:cs typeface="Times New Roman" panose="02020603050405020304" pitchFamily="18" charset="0"/>
             </a:endParaRPr>
+          </a:p>
+        </p:txBody>
+      </p:sp>
+      <p:sp>
+        <p:nvSpPr>
+          <p:cNvPr id="2" name="Rectangle: Rounded Corners 1">
+            <a:extLst>
+              <a:ext uri="{FF2B5EF4-FFF2-40B4-BE49-F238E27FC236}">
+                <a16:creationId xmlns:a16="http://schemas.microsoft.com/office/drawing/2014/main" id="{03BB1125-2745-4900-79AA-259CF9EA68DD}"/>
+              </a:ext>
+            </a:extLst>
+          </p:cNvPr>
+          <p:cNvSpPr/>
+          <p:nvPr/>
+        </p:nvSpPr>
+        <p:spPr>
+          <a:xfrm>
+            <a:off x="8633184" y="4198017"/>
+            <a:ext cx="1377894" cy="523475"/>
+          </a:xfrm>
+          <a:prstGeom prst="roundRect">
+            <a:avLst/>
+          </a:prstGeom>
+          <a:noFill/>
+          <a:ln w="28575"/>
+        </p:spPr>
+        <p:style>
+          <a:lnRef idx="2">
+            <a:schemeClr val="accent1">
+              <a:shade val="15000"/>
+            </a:schemeClr>
+          </a:lnRef>
+          <a:fillRef idx="1">
+            <a:schemeClr val="accent1"/>
+          </a:fillRef>
+          <a:effectRef idx="0">
+            <a:schemeClr val="accent1"/>
+          </a:effectRef>
+          <a:fontRef idx="minor">
+            <a:schemeClr val="lt1"/>
+          </a:fontRef>
+        </p:style>
+        <p:txBody>
+          <a:bodyPr rtlCol="0" anchor="ctr"/>
+          <a:lstStyle/>
+          <a:p>
+            <a:pPr algn="ctr"/>
+            <a:r>
+              <a:rPr lang="en-US" dirty="0">
+                <a:solidFill>
+                  <a:schemeClr val="tx1"/>
+                </a:solidFill>
+                <a:latin typeface="Times New Roman" panose="02020603050405020304" pitchFamily="18" charset="0"/>
+                <a:cs typeface="Times New Roman" panose="02020603050405020304" pitchFamily="18" charset="0"/>
+              </a:rPr>
+              <a:t>Wall model</a:t>
+            </a:r>
+          </a:p>
+        </p:txBody>
+      </p:sp>
+      <p:sp>
+        <p:nvSpPr>
+          <p:cNvPr id="20" name="Freeform: Shape 19">
+            <a:extLst>
+              <a:ext uri="{FF2B5EF4-FFF2-40B4-BE49-F238E27FC236}">
+                <a16:creationId xmlns:a16="http://schemas.microsoft.com/office/drawing/2014/main" id="{AACEB029-9AB8-1D9B-E23C-28F31E45844B}"/>
+              </a:ext>
+            </a:extLst>
+          </p:cNvPr>
+          <p:cNvSpPr/>
+          <p:nvPr/>
+        </p:nvSpPr>
+        <p:spPr>
+          <a:xfrm>
+            <a:off x="5216523" y="3166203"/>
+            <a:ext cx="4106070" cy="991397"/>
+          </a:xfrm>
+          <a:custGeom>
+            <a:avLst/>
+            <a:gdLst>
+              <a:gd name="connsiteX0" fmla="*/ 0 w 2921000"/>
+              <a:gd name="connsiteY0" fmla="*/ 2913 h 688713"/>
+              <a:gd name="connsiteX1" fmla="*/ 1625600 w 2921000"/>
+              <a:gd name="connsiteY1" fmla="*/ 104513 h 688713"/>
+              <a:gd name="connsiteX2" fmla="*/ 2921000 w 2921000"/>
+              <a:gd name="connsiteY2" fmla="*/ 688713 h 688713"/>
+            </a:gdLst>
+            <a:ahLst/>
+            <a:cxnLst>
+              <a:cxn ang="0">
+                <a:pos x="connsiteX0" y="connsiteY0"/>
+              </a:cxn>
+              <a:cxn ang="0">
+                <a:pos x="connsiteX1" y="connsiteY1"/>
+              </a:cxn>
+              <a:cxn ang="0">
+                <a:pos x="connsiteX2" y="connsiteY2"/>
+              </a:cxn>
+            </a:cxnLst>
+            <a:rect l="l" t="t" r="r" b="b"/>
+            <a:pathLst>
+              <a:path w="2921000" h="688713">
+                <a:moveTo>
+                  <a:pt x="0" y="2913"/>
+                </a:moveTo>
+                <a:cubicBezTo>
+                  <a:pt x="569383" y="-3437"/>
+                  <a:pt x="1138767" y="-9787"/>
+                  <a:pt x="1625600" y="104513"/>
+                </a:cubicBezTo>
+                <a:cubicBezTo>
+                  <a:pt x="2112433" y="218813"/>
+                  <a:pt x="2516716" y="453763"/>
+                  <a:pt x="2921000" y="688713"/>
+                </a:cubicBezTo>
+              </a:path>
+            </a:pathLst>
+          </a:custGeom>
+          <a:noFill/>
+          <a:ln>
+            <a:headEnd type="none" w="med" len="med"/>
+            <a:tailEnd type="arrow" w="med" len="med"/>
+          </a:ln>
+        </p:spPr>
+        <p:style>
+          <a:lnRef idx="2">
+            <a:schemeClr val="accent1">
+              <a:shade val="15000"/>
+            </a:schemeClr>
+          </a:lnRef>
+          <a:fillRef idx="1">
+            <a:schemeClr val="accent1"/>
+          </a:fillRef>
+          <a:effectRef idx="0">
+            <a:schemeClr val="accent1"/>
+          </a:effectRef>
+          <a:fontRef idx="minor">
+            <a:schemeClr val="lt1"/>
+          </a:fontRef>
+        </p:style>
+        <p:txBody>
+          <a:bodyPr rtlCol="0" anchor="ctr"/>
+          <a:lstStyle/>
+          <a:p>
+            <a:pPr algn="ctr"/>
+            <a:endParaRPr lang="en-US" dirty="0"/>
+          </a:p>
+        </p:txBody>
+      </p:sp>
+      <p:sp>
+        <p:nvSpPr>
+          <p:cNvPr id="38" name="Freeform: Shape 37">
+            <a:extLst>
+              <a:ext uri="{FF2B5EF4-FFF2-40B4-BE49-F238E27FC236}">
+                <a16:creationId xmlns:a16="http://schemas.microsoft.com/office/drawing/2014/main" id="{EC90FBAD-37BE-BF86-3E8D-4E948335921C}"/>
+              </a:ext>
+            </a:extLst>
+          </p:cNvPr>
+          <p:cNvSpPr/>
+          <p:nvPr/>
+        </p:nvSpPr>
+        <p:spPr>
+          <a:xfrm>
+            <a:off x="5103672" y="4778843"/>
+            <a:ext cx="4201195" cy="1012214"/>
+          </a:xfrm>
+          <a:custGeom>
+            <a:avLst/>
+            <a:gdLst>
+              <a:gd name="connsiteX0" fmla="*/ 4191000 w 4191000"/>
+              <a:gd name="connsiteY0" fmla="*/ 0 h 1453009"/>
+              <a:gd name="connsiteX1" fmla="*/ 3200400 w 4191000"/>
+              <a:gd name="connsiteY1" fmla="*/ 1371600 h 1453009"/>
+              <a:gd name="connsiteX2" fmla="*/ 0 w 4191000"/>
+              <a:gd name="connsiteY2" fmla="*/ 1176867 h 1453009"/>
+            </a:gdLst>
+            <a:ahLst/>
+            <a:cxnLst>
+              <a:cxn ang="0">
+                <a:pos x="connsiteX0" y="connsiteY0"/>
+              </a:cxn>
+              <a:cxn ang="0">
+                <a:pos x="connsiteX1" y="connsiteY1"/>
+              </a:cxn>
+              <a:cxn ang="0">
+                <a:pos x="connsiteX2" y="connsiteY2"/>
+              </a:cxn>
+            </a:cxnLst>
+            <a:rect l="l" t="t" r="r" b="b"/>
+            <a:pathLst>
+              <a:path w="4191000" h="1453009">
+                <a:moveTo>
+                  <a:pt x="4191000" y="0"/>
+                </a:moveTo>
+                <a:cubicBezTo>
+                  <a:pt x="4044950" y="587728"/>
+                  <a:pt x="3898900" y="1175456"/>
+                  <a:pt x="3200400" y="1371600"/>
+                </a:cubicBezTo>
+                <a:cubicBezTo>
+                  <a:pt x="2501900" y="1567744"/>
+                  <a:pt x="1250950" y="1372305"/>
+                  <a:pt x="0" y="1176867"/>
+                </a:cubicBezTo>
+              </a:path>
+            </a:pathLst>
+          </a:custGeom>
+          <a:noFill/>
+          <a:ln>
+            <a:headEnd type="none" w="med" len="med"/>
+            <a:tailEnd type="arrow" w="med" len="med"/>
+          </a:ln>
+        </p:spPr>
+        <p:style>
+          <a:lnRef idx="2">
+            <a:schemeClr val="accent1">
+              <a:shade val="15000"/>
+            </a:schemeClr>
+          </a:lnRef>
+          <a:fillRef idx="1">
+            <a:schemeClr val="accent1"/>
+          </a:fillRef>
+          <a:effectRef idx="0">
+            <a:schemeClr val="accent1"/>
+          </a:effectRef>
+          <a:fontRef idx="minor">
+            <a:schemeClr val="lt1"/>
+          </a:fontRef>
+        </p:style>
+        <p:txBody>
+          <a:bodyPr rtlCol="0" anchor="ctr"/>
+          <a:lstStyle/>
+          <a:p>
+            <a:pPr algn="ctr"/>
+            <a:endParaRPr lang="en-US"/>
           </a:p>
         </p:txBody>
       </p:sp>
